--- a/121/nmop-chairs-slides-session-1.pptx
+++ b/121/nmop-chairs-slides-session-1.pptx
@@ -282,6 +282,171 @@
 <file path=ppt/changesInfos/changesInfo1.xml><?xml version="1.0" encoding="utf-8"?>
 <pc:chgInfo xmlns:a="http://schemas.openxmlformats.org/drawingml/2006/main" xmlns:r="http://schemas.openxmlformats.org/officeDocument/2006/relationships" xmlns:ac="http://schemas.microsoft.com/office/drawing/2013/main/command" xmlns:pc="http://schemas.microsoft.com/office/powerpoint/2013/main/command">
   <pc:docChgLst>
+    <pc:chgData name="BOUCADAIR Mohamed INNOV/NET" userId="2acbca90-6db1-4111-98c4-832797dda751" providerId="ADAL" clId="{5E7AF159-790E-476D-B646-0EA162FC4C56}"/>
+    <pc:docChg chg="custSel modSld">
+      <pc:chgData name="BOUCADAIR Mohamed INNOV/NET" userId="2acbca90-6db1-4111-98c4-832797dda751" providerId="ADAL" clId="{5E7AF159-790E-476D-B646-0EA162FC4C56}" dt="2024-07-25T10:31:23.642" v="34" actId="207"/>
+      <pc:docMkLst>
+        <pc:docMk/>
+      </pc:docMkLst>
+      <pc:sldChg chg="addSp delSp modSp mod">
+        <pc:chgData name="BOUCADAIR Mohamed INNOV/NET" userId="2acbca90-6db1-4111-98c4-832797dda751" providerId="ADAL" clId="{5E7AF159-790E-476D-B646-0EA162FC4C56}" dt="2024-07-25T10:31:23.642" v="34" actId="207"/>
+        <pc:sldMkLst>
+          <pc:docMk/>
+          <pc:sldMk cId="513082138" sldId="271"/>
+        </pc:sldMkLst>
+        <pc:spChg chg="add del mod">
+          <ac:chgData name="BOUCADAIR Mohamed INNOV/NET" userId="2acbca90-6db1-4111-98c4-832797dda751" providerId="ADAL" clId="{5E7AF159-790E-476D-B646-0EA162FC4C56}" dt="2024-07-25T10:30:18.251" v="6" actId="478"/>
+          <ac:spMkLst>
+            <pc:docMk/>
+            <pc:sldMk cId="513082138" sldId="271"/>
+            <ac:spMk id="7" creationId="{959513DF-7598-B39D-5374-43A00E7C1D11}"/>
+          </ac:spMkLst>
+        </pc:spChg>
+        <pc:spChg chg="add mod">
+          <ac:chgData name="BOUCADAIR Mohamed INNOV/NET" userId="2acbca90-6db1-4111-98c4-832797dda751" providerId="ADAL" clId="{5E7AF159-790E-476D-B646-0EA162FC4C56}" dt="2024-07-25T10:31:06.040" v="19" actId="14100"/>
+          <ac:spMkLst>
+            <pc:docMk/>
+            <pc:sldMk cId="513082138" sldId="271"/>
+            <ac:spMk id="8" creationId="{5DFD05E8-7913-434C-25CA-289688FED3CE}"/>
+          </ac:spMkLst>
+        </pc:spChg>
+        <pc:spChg chg="add mod">
+          <ac:chgData name="BOUCADAIR Mohamed INNOV/NET" userId="2acbca90-6db1-4111-98c4-832797dda751" providerId="ADAL" clId="{5E7AF159-790E-476D-B646-0EA162FC4C56}" dt="2024-07-25T10:31:23.642" v="34" actId="207"/>
+          <ac:spMkLst>
+            <pc:docMk/>
+            <pc:sldMk cId="513082138" sldId="271"/>
+            <ac:spMk id="9" creationId="{2328023F-1C93-51F0-A761-742333E90631}"/>
+          </ac:spMkLst>
+        </pc:spChg>
+        <pc:picChg chg="add mod">
+          <ac:chgData name="BOUCADAIR Mohamed INNOV/NET" userId="2acbca90-6db1-4111-98c4-832797dda751" providerId="ADAL" clId="{5E7AF159-790E-476D-B646-0EA162FC4C56}" dt="2024-07-25T10:29:41.283" v="2" actId="1076"/>
+          <ac:picMkLst>
+            <pc:docMk/>
+            <pc:sldMk cId="513082138" sldId="271"/>
+            <ac:picMk id="5" creationId="{AF5338B3-82EF-B6E1-3E64-A69B18A3C63B}"/>
+          </ac:picMkLst>
+        </pc:picChg>
+        <pc:picChg chg="del">
+          <ac:chgData name="BOUCADAIR Mohamed INNOV/NET" userId="2acbca90-6db1-4111-98c4-832797dda751" providerId="ADAL" clId="{5E7AF159-790E-476D-B646-0EA162FC4C56}" dt="2024-07-25T10:29:38.004" v="0" actId="478"/>
+          <ac:picMkLst>
+            <pc:docMk/>
+            <pc:sldMk cId="513082138" sldId="271"/>
+            <ac:picMk id="6" creationId="{12D77918-8ECB-6E5D-0965-E81951B65AA8}"/>
+          </ac:picMkLst>
+        </pc:picChg>
+      </pc:sldChg>
+    </pc:docChg>
+  </pc:docChgLst>
+  <pc:docChgLst>
+    <pc:chgData name="BOUCADAIR Mohamed INNOV/NET" userId="2acbca90-6db1-4111-98c4-832797dda751" providerId="ADAL" clId="{59F6FDA4-2B5F-4B5B-B88E-9904D84ED0E1}"/>
+    <pc:docChg chg="custSel addSld delSld modSld">
+      <pc:chgData name="BOUCADAIR Mohamed INNOV/NET" userId="2acbca90-6db1-4111-98c4-832797dda751" providerId="ADAL" clId="{59F6FDA4-2B5F-4B5B-B88E-9904D84ED0E1}" dt="2024-07-25T10:26:57.628" v="582" actId="6549"/>
+      <pc:docMkLst>
+        <pc:docMk/>
+      </pc:docMkLst>
+      <pc:sldChg chg="modSp mod">
+        <pc:chgData name="BOUCADAIR Mohamed INNOV/NET" userId="2acbca90-6db1-4111-98c4-832797dda751" providerId="ADAL" clId="{59F6FDA4-2B5F-4B5B-B88E-9904D84ED0E1}" dt="2024-07-25T10:26:57.628" v="582" actId="6549"/>
+        <pc:sldMkLst>
+          <pc:docMk/>
+          <pc:sldMk cId="2749868532" sldId="268"/>
+        </pc:sldMkLst>
+        <pc:spChg chg="mod">
+          <ac:chgData name="BOUCADAIR Mohamed INNOV/NET" userId="2acbca90-6db1-4111-98c4-832797dda751" providerId="ADAL" clId="{59F6FDA4-2B5F-4B5B-B88E-9904D84ED0E1}" dt="2024-07-25T10:26:57.628" v="582" actId="6549"/>
+          <ac:spMkLst>
+            <pc:docMk/>
+            <pc:sldMk cId="2749868532" sldId="268"/>
+            <ac:spMk id="9" creationId="{BB4F778F-8939-B422-821F-330027B1D08E}"/>
+          </ac:spMkLst>
+        </pc:spChg>
+      </pc:sldChg>
+      <pc:sldChg chg="addSp modSp mod">
+        <pc:chgData name="BOUCADAIR Mohamed INNOV/NET" userId="2acbca90-6db1-4111-98c4-832797dda751" providerId="ADAL" clId="{59F6FDA4-2B5F-4B5B-B88E-9904D84ED0E1}" dt="2024-07-25T10:26:22.246" v="567"/>
+        <pc:sldMkLst>
+          <pc:docMk/>
+          <pc:sldMk cId="3664032414" sldId="270"/>
+        </pc:sldMkLst>
+        <pc:spChg chg="add mod">
+          <ac:chgData name="BOUCADAIR Mohamed INNOV/NET" userId="2acbca90-6db1-4111-98c4-832797dda751" providerId="ADAL" clId="{59F6FDA4-2B5F-4B5B-B88E-9904D84ED0E1}" dt="2024-07-25T10:26:22.246" v="567"/>
+          <ac:spMkLst>
+            <pc:docMk/>
+            <pc:sldMk cId="3664032414" sldId="270"/>
+            <ac:spMk id="3" creationId="{FB0EA3CF-BB8A-1C4E-7A3A-DC28DBA68DD9}"/>
+          </ac:spMkLst>
+        </pc:spChg>
+      </pc:sldChg>
+      <pc:sldChg chg="modSp mod">
+        <pc:chgData name="BOUCADAIR Mohamed INNOV/NET" userId="2acbca90-6db1-4111-98c4-832797dda751" providerId="ADAL" clId="{59F6FDA4-2B5F-4B5B-B88E-9904D84ED0E1}" dt="2024-07-25T10:26:31.140" v="569"/>
+        <pc:sldMkLst>
+          <pc:docMk/>
+          <pc:sldMk cId="514278596" sldId="274"/>
+        </pc:sldMkLst>
+        <pc:spChg chg="mod">
+          <ac:chgData name="BOUCADAIR Mohamed INNOV/NET" userId="2acbca90-6db1-4111-98c4-832797dda751" providerId="ADAL" clId="{59F6FDA4-2B5F-4B5B-B88E-9904D84ED0E1}" dt="2024-07-25T10:26:31.140" v="569"/>
+          <ac:spMkLst>
+            <pc:docMk/>
+            <pc:sldMk cId="514278596" sldId="274"/>
+            <ac:spMk id="5" creationId="{3856129A-94B9-0425-E3E2-66E6DE494147}"/>
+          </ac:spMkLst>
+        </pc:spChg>
+      </pc:sldChg>
+      <pc:sldChg chg="addSp delSp modSp new del mod">
+        <pc:chgData name="BOUCADAIR Mohamed INNOV/NET" userId="2acbca90-6db1-4111-98c4-832797dda751" providerId="ADAL" clId="{59F6FDA4-2B5F-4B5B-B88E-9904D84ED0E1}" dt="2024-07-25T10:24:29.805" v="528" actId="47"/>
+        <pc:sldMkLst>
+          <pc:docMk/>
+          <pc:sldMk cId="1210538029" sldId="276"/>
+        </pc:sldMkLst>
+        <pc:spChg chg="mod">
+          <ac:chgData name="BOUCADAIR Mohamed INNOV/NET" userId="2acbca90-6db1-4111-98c4-832797dda751" providerId="ADAL" clId="{59F6FDA4-2B5F-4B5B-B88E-9904D84ED0E1}" dt="2024-07-25T10:22:05.753" v="475" actId="20577"/>
+          <ac:spMkLst>
+            <pc:docMk/>
+            <pc:sldMk cId="1210538029" sldId="276"/>
+            <ac:spMk id="2" creationId="{8D0A9E63-A403-35AB-D257-445F2EB3A880}"/>
+          </ac:spMkLst>
+        </pc:spChg>
+        <pc:spChg chg="del">
+          <ac:chgData name="BOUCADAIR Mohamed INNOV/NET" userId="2acbca90-6db1-4111-98c4-832797dda751" providerId="ADAL" clId="{59F6FDA4-2B5F-4B5B-B88E-9904D84ED0E1}" dt="2024-07-25T10:21:46.178" v="467" actId="478"/>
+          <ac:spMkLst>
+            <pc:docMk/>
+            <pc:sldMk cId="1210538029" sldId="276"/>
+            <ac:spMk id="3" creationId="{63CE1D58-85E9-DF46-42CD-DDE5467A2C8D}"/>
+          </ac:spMkLst>
+        </pc:spChg>
+        <pc:spChg chg="add mod">
+          <ac:chgData name="BOUCADAIR Mohamed INNOV/NET" userId="2acbca90-6db1-4111-98c4-832797dda751" providerId="ADAL" clId="{59F6FDA4-2B5F-4B5B-B88E-9904D84ED0E1}" dt="2024-07-25T10:22:39.318" v="482" actId="208"/>
+          <ac:spMkLst>
+            <pc:docMk/>
+            <pc:sldMk cId="1210538029" sldId="276"/>
+            <ac:spMk id="7" creationId="{D1B45DFC-0642-CD92-0761-37A3232DD028}"/>
+          </ac:spMkLst>
+        </pc:spChg>
+        <pc:spChg chg="add mod">
+          <ac:chgData name="BOUCADAIR Mohamed INNOV/NET" userId="2acbca90-6db1-4111-98c4-832797dda751" providerId="ADAL" clId="{59F6FDA4-2B5F-4B5B-B88E-9904D84ED0E1}" dt="2024-07-25T10:22:45.686" v="483" actId="1076"/>
+          <ac:spMkLst>
+            <pc:docMk/>
+            <pc:sldMk cId="1210538029" sldId="276"/>
+            <ac:spMk id="8" creationId="{322AA1CE-42C4-221C-C03C-3ADDE5E9428A}"/>
+          </ac:spMkLst>
+        </pc:spChg>
+        <pc:spChg chg="add mod">
+          <ac:chgData name="BOUCADAIR Mohamed INNOV/NET" userId="2acbca90-6db1-4111-98c4-832797dda751" providerId="ADAL" clId="{59F6FDA4-2B5F-4B5B-B88E-9904D84ED0E1}" dt="2024-07-25T10:24:21.471" v="527" actId="14100"/>
+          <ac:spMkLst>
+            <pc:docMk/>
+            <pc:sldMk cId="1210538029" sldId="276"/>
+            <ac:spMk id="9" creationId="{AE3EC158-B6C2-83CD-C9E4-0C689DEC06B5}"/>
+          </ac:spMkLst>
+        </pc:spChg>
+        <pc:picChg chg="add mod">
+          <ac:chgData name="BOUCADAIR Mohamed INNOV/NET" userId="2acbca90-6db1-4111-98c4-832797dda751" providerId="ADAL" clId="{59F6FDA4-2B5F-4B5B-B88E-9904D84ED0E1}" dt="2024-07-25T10:22:03.394" v="473" actId="1076"/>
+          <ac:picMkLst>
+            <pc:docMk/>
+            <pc:sldMk cId="1210538029" sldId="276"/>
+            <ac:picMk id="6" creationId="{841BE516-3EF8-8CC1-7182-2872E92DC3D4}"/>
+          </ac:picMkLst>
+        </pc:picChg>
+      </pc:sldChg>
+    </pc:docChg>
+  </pc:docChgLst>
+  <pc:docChgLst>
     <pc:chgData name="BOUCADAIR Mohamed INNOV/NET" userId="2acbca90-6db1-4111-98c4-832797dda751" providerId="ADAL" clId="{40AA09E1-26BA-45C8-8F45-A3257F5F94CD}"/>
     <pc:docChg chg="addSld modSld">
       <pc:chgData name="BOUCADAIR Mohamed INNOV/NET" userId="2acbca90-6db1-4111-98c4-832797dda751" providerId="ADAL" clId="{40AA09E1-26BA-45C8-8F45-A3257F5F94CD}" dt="2024-07-26T16:49:37.571" v="94" actId="207"/>
@@ -346,93 +511,6 @@
             <pc:docMk/>
             <pc:sldMk cId="482176988" sldId="278"/>
             <ac:spMk id="3" creationId="{354D1E93-08D4-7AF9-1B2D-B84F0A60F806}"/>
-          </ac:spMkLst>
-        </pc:spChg>
-      </pc:sldChg>
-    </pc:docChg>
-  </pc:docChgLst>
-  <pc:docChgLst>
-    <pc:chgData name="BOUCADAIR Mohamed INNOV/NET" userId="2acbca90-6db1-4111-98c4-832797dda751" providerId="ADAL" clId="{D2F81640-DBF7-4596-A85C-8BBE2BAACBF2}"/>
-    <pc:docChg chg="custSel modSld">
-      <pc:chgData name="BOUCADAIR Mohamed INNOV/NET" userId="2acbca90-6db1-4111-98c4-832797dda751" providerId="ADAL" clId="{D2F81640-DBF7-4596-A85C-8BBE2BAACBF2}" dt="2024-07-16T10:18:13.267" v="236" actId="20577"/>
-      <pc:docMkLst>
-        <pc:docMk/>
-      </pc:docMkLst>
-      <pc:sldChg chg="addSp delSp modSp mod">
-        <pc:chgData name="BOUCADAIR Mohamed INNOV/NET" userId="2acbca90-6db1-4111-98c4-832797dda751" providerId="ADAL" clId="{D2F81640-DBF7-4596-A85C-8BBE2BAACBF2}" dt="2024-07-16T10:15:03.546" v="116" actId="207"/>
-        <pc:sldMkLst>
-          <pc:docMk/>
-          <pc:sldMk cId="19349701" sldId="263"/>
-        </pc:sldMkLst>
-        <pc:spChg chg="mod">
-          <ac:chgData name="BOUCADAIR Mohamed INNOV/NET" userId="2acbca90-6db1-4111-98c4-832797dda751" providerId="ADAL" clId="{D2F81640-DBF7-4596-A85C-8BBE2BAACBF2}" dt="2024-07-16T10:13:55.185" v="81" actId="1076"/>
-          <ac:spMkLst>
-            <pc:docMk/>
-            <pc:sldMk cId="19349701" sldId="263"/>
-            <ac:spMk id="3" creationId="{83D20BE9-2246-7E23-23A9-3B3575F16427}"/>
-          </ac:spMkLst>
-        </pc:spChg>
-        <pc:spChg chg="add del mod">
-          <ac:chgData name="BOUCADAIR Mohamed INNOV/NET" userId="2acbca90-6db1-4111-98c4-832797dda751" providerId="ADAL" clId="{D2F81640-DBF7-4596-A85C-8BBE2BAACBF2}" dt="2024-07-16T10:12:38.365" v="43" actId="478"/>
-          <ac:spMkLst>
-            <pc:docMk/>
-            <pc:sldMk cId="19349701" sldId="263"/>
-            <ac:spMk id="5" creationId="{D704E20F-8DE7-83C2-C8DB-53E580978B4E}"/>
-          </ac:spMkLst>
-        </pc:spChg>
-        <pc:spChg chg="add mod">
-          <ac:chgData name="BOUCADAIR Mohamed INNOV/NET" userId="2acbca90-6db1-4111-98c4-832797dda751" providerId="ADAL" clId="{D2F81640-DBF7-4596-A85C-8BBE2BAACBF2}" dt="2024-07-16T10:14:40.571" v="113" actId="207"/>
-          <ac:spMkLst>
-            <pc:docMk/>
-            <pc:sldMk cId="19349701" sldId="263"/>
-            <ac:spMk id="6" creationId="{BCA2001A-51BF-45CB-C2B7-BB9B0CA4A33D}"/>
-          </ac:spMkLst>
-        </pc:spChg>
-        <pc:spChg chg="add mod ord">
-          <ac:chgData name="BOUCADAIR Mohamed INNOV/NET" userId="2acbca90-6db1-4111-98c4-832797dda751" providerId="ADAL" clId="{D2F81640-DBF7-4596-A85C-8BBE2BAACBF2}" dt="2024-07-16T10:14:05.825" v="108" actId="1037"/>
-          <ac:spMkLst>
-            <pc:docMk/>
-            <pc:sldMk cId="19349701" sldId="263"/>
-            <ac:spMk id="7" creationId="{2B7E25EF-AEAB-D46F-394B-F805E54DA742}"/>
-          </ac:spMkLst>
-        </pc:spChg>
-        <pc:spChg chg="add mod">
-          <ac:chgData name="BOUCADAIR Mohamed INNOV/NET" userId="2acbca90-6db1-4111-98c4-832797dda751" providerId="ADAL" clId="{D2F81640-DBF7-4596-A85C-8BBE2BAACBF2}" dt="2024-07-16T10:15:03.546" v="116" actId="207"/>
-          <ac:spMkLst>
-            <pc:docMk/>
-            <pc:sldMk cId="19349701" sldId="263"/>
-            <ac:spMk id="8" creationId="{43CBEF85-868C-DB6D-8E15-BC44095515A0}"/>
-          </ac:spMkLst>
-        </pc:spChg>
-      </pc:sldChg>
-      <pc:sldChg chg="addSp delSp modSp mod">
-        <pc:chgData name="BOUCADAIR Mohamed INNOV/NET" userId="2acbca90-6db1-4111-98c4-832797dda751" providerId="ADAL" clId="{D2F81640-DBF7-4596-A85C-8BBE2BAACBF2}" dt="2024-07-16T10:18:13.267" v="236" actId="20577"/>
-        <pc:sldMkLst>
-          <pc:docMk/>
-          <pc:sldMk cId="514278596" sldId="274"/>
-        </pc:sldMkLst>
-        <pc:spChg chg="mod">
-          <ac:chgData name="BOUCADAIR Mohamed INNOV/NET" userId="2acbca90-6db1-4111-98c4-832797dda751" providerId="ADAL" clId="{D2F81640-DBF7-4596-A85C-8BBE2BAACBF2}" dt="2024-07-16T10:18:13.267" v="236" actId="20577"/>
-          <ac:spMkLst>
-            <pc:docMk/>
-            <pc:sldMk cId="514278596" sldId="274"/>
-            <ac:spMk id="5" creationId="{3856129A-94B9-0425-E3E2-66E6DE494147}"/>
-          </ac:spMkLst>
-        </pc:spChg>
-        <pc:spChg chg="add del mod">
-          <ac:chgData name="BOUCADAIR Mohamed INNOV/NET" userId="2acbca90-6db1-4111-98c4-832797dda751" providerId="ADAL" clId="{D2F81640-DBF7-4596-A85C-8BBE2BAACBF2}" dt="2024-07-16T10:17:47.377" v="230" actId="478"/>
-          <ac:spMkLst>
-            <pc:docMk/>
-            <pc:sldMk cId="514278596" sldId="274"/>
-            <ac:spMk id="6" creationId="{2AF546A0-30B2-8592-4398-B35176E22E58}"/>
-          </ac:spMkLst>
-        </pc:spChg>
-        <pc:spChg chg="add del mod">
-          <ac:chgData name="BOUCADAIR Mohamed INNOV/NET" userId="2acbca90-6db1-4111-98c4-832797dda751" providerId="ADAL" clId="{D2F81640-DBF7-4596-A85C-8BBE2BAACBF2}" dt="2024-07-16T10:17:49.657" v="231" actId="478"/>
-          <ac:spMkLst>
-            <pc:docMk/>
-            <pc:sldMk cId="514278596" sldId="274"/>
-            <ac:spMk id="7" creationId="{DCD64453-FCEB-586A-5A4E-B232DB3AEA38}"/>
           </ac:spMkLst>
         </pc:spChg>
       </pc:sldChg>
@@ -943,163 +1021,87 @@
     </pc:docChg>
   </pc:docChgLst>
   <pc:docChgLst>
-    <pc:chgData name="BOUCADAIR Mohamed INNOV/NET" userId="2acbca90-6db1-4111-98c4-832797dda751" providerId="ADAL" clId="{59F6FDA4-2B5F-4B5B-B88E-9904D84ED0E1}"/>
-    <pc:docChg chg="custSel addSld delSld modSld">
-      <pc:chgData name="BOUCADAIR Mohamed INNOV/NET" userId="2acbca90-6db1-4111-98c4-832797dda751" providerId="ADAL" clId="{59F6FDA4-2B5F-4B5B-B88E-9904D84ED0E1}" dt="2024-07-25T10:26:57.628" v="582" actId="6549"/>
+    <pc:chgData name="BOUCADAIR Mohamed INNOV/NET" userId="2acbca90-6db1-4111-98c4-832797dda751" providerId="ADAL" clId="{D2F81640-DBF7-4596-A85C-8BBE2BAACBF2}"/>
+    <pc:docChg chg="custSel modSld">
+      <pc:chgData name="BOUCADAIR Mohamed INNOV/NET" userId="2acbca90-6db1-4111-98c4-832797dda751" providerId="ADAL" clId="{D2F81640-DBF7-4596-A85C-8BBE2BAACBF2}" dt="2024-07-16T10:18:13.267" v="236" actId="20577"/>
       <pc:docMkLst>
         <pc:docMk/>
       </pc:docMkLst>
-      <pc:sldChg chg="modSp mod">
-        <pc:chgData name="BOUCADAIR Mohamed INNOV/NET" userId="2acbca90-6db1-4111-98c4-832797dda751" providerId="ADAL" clId="{59F6FDA4-2B5F-4B5B-B88E-9904D84ED0E1}" dt="2024-07-25T10:26:57.628" v="582" actId="6549"/>
+      <pc:sldChg chg="addSp delSp modSp mod">
+        <pc:chgData name="BOUCADAIR Mohamed INNOV/NET" userId="2acbca90-6db1-4111-98c4-832797dda751" providerId="ADAL" clId="{D2F81640-DBF7-4596-A85C-8BBE2BAACBF2}" dt="2024-07-16T10:15:03.546" v="116" actId="207"/>
         <pc:sldMkLst>
           <pc:docMk/>
-          <pc:sldMk cId="2749868532" sldId="268"/>
+          <pc:sldMk cId="19349701" sldId="263"/>
         </pc:sldMkLst>
         <pc:spChg chg="mod">
-          <ac:chgData name="BOUCADAIR Mohamed INNOV/NET" userId="2acbca90-6db1-4111-98c4-832797dda751" providerId="ADAL" clId="{59F6FDA4-2B5F-4B5B-B88E-9904D84ED0E1}" dt="2024-07-25T10:26:57.628" v="582" actId="6549"/>
+          <ac:chgData name="BOUCADAIR Mohamed INNOV/NET" userId="2acbca90-6db1-4111-98c4-832797dda751" providerId="ADAL" clId="{D2F81640-DBF7-4596-A85C-8BBE2BAACBF2}" dt="2024-07-16T10:13:55.185" v="81" actId="1076"/>
           <ac:spMkLst>
             <pc:docMk/>
-            <pc:sldMk cId="2749868532" sldId="268"/>
-            <ac:spMk id="9" creationId="{BB4F778F-8939-B422-821F-330027B1D08E}"/>
+            <pc:sldMk cId="19349701" sldId="263"/>
+            <ac:spMk id="3" creationId="{83D20BE9-2246-7E23-23A9-3B3575F16427}"/>
+          </ac:spMkLst>
+        </pc:spChg>
+        <pc:spChg chg="add del mod">
+          <ac:chgData name="BOUCADAIR Mohamed INNOV/NET" userId="2acbca90-6db1-4111-98c4-832797dda751" providerId="ADAL" clId="{D2F81640-DBF7-4596-A85C-8BBE2BAACBF2}" dt="2024-07-16T10:12:38.365" v="43" actId="478"/>
+          <ac:spMkLst>
+            <pc:docMk/>
+            <pc:sldMk cId="19349701" sldId="263"/>
+            <ac:spMk id="5" creationId="{D704E20F-8DE7-83C2-C8DB-53E580978B4E}"/>
+          </ac:spMkLst>
+        </pc:spChg>
+        <pc:spChg chg="add mod">
+          <ac:chgData name="BOUCADAIR Mohamed INNOV/NET" userId="2acbca90-6db1-4111-98c4-832797dda751" providerId="ADAL" clId="{D2F81640-DBF7-4596-A85C-8BBE2BAACBF2}" dt="2024-07-16T10:14:40.571" v="113" actId="207"/>
+          <ac:spMkLst>
+            <pc:docMk/>
+            <pc:sldMk cId="19349701" sldId="263"/>
+            <ac:spMk id="6" creationId="{BCA2001A-51BF-45CB-C2B7-BB9B0CA4A33D}"/>
+          </ac:spMkLst>
+        </pc:spChg>
+        <pc:spChg chg="add mod ord">
+          <ac:chgData name="BOUCADAIR Mohamed INNOV/NET" userId="2acbca90-6db1-4111-98c4-832797dda751" providerId="ADAL" clId="{D2F81640-DBF7-4596-A85C-8BBE2BAACBF2}" dt="2024-07-16T10:14:05.825" v="108" actId="1037"/>
+          <ac:spMkLst>
+            <pc:docMk/>
+            <pc:sldMk cId="19349701" sldId="263"/>
+            <ac:spMk id="7" creationId="{2B7E25EF-AEAB-D46F-394B-F805E54DA742}"/>
+          </ac:spMkLst>
+        </pc:spChg>
+        <pc:spChg chg="add mod">
+          <ac:chgData name="BOUCADAIR Mohamed INNOV/NET" userId="2acbca90-6db1-4111-98c4-832797dda751" providerId="ADAL" clId="{D2F81640-DBF7-4596-A85C-8BBE2BAACBF2}" dt="2024-07-16T10:15:03.546" v="116" actId="207"/>
+          <ac:spMkLst>
+            <pc:docMk/>
+            <pc:sldMk cId="19349701" sldId="263"/>
+            <ac:spMk id="8" creationId="{43CBEF85-868C-DB6D-8E15-BC44095515A0}"/>
           </ac:spMkLst>
         </pc:spChg>
       </pc:sldChg>
-      <pc:sldChg chg="addSp modSp mod">
-        <pc:chgData name="BOUCADAIR Mohamed INNOV/NET" userId="2acbca90-6db1-4111-98c4-832797dda751" providerId="ADAL" clId="{59F6FDA4-2B5F-4B5B-B88E-9904D84ED0E1}" dt="2024-07-25T10:26:22.246" v="567"/>
-        <pc:sldMkLst>
-          <pc:docMk/>
-          <pc:sldMk cId="3664032414" sldId="270"/>
-        </pc:sldMkLst>
-        <pc:spChg chg="add mod">
-          <ac:chgData name="BOUCADAIR Mohamed INNOV/NET" userId="2acbca90-6db1-4111-98c4-832797dda751" providerId="ADAL" clId="{59F6FDA4-2B5F-4B5B-B88E-9904D84ED0E1}" dt="2024-07-25T10:26:22.246" v="567"/>
-          <ac:spMkLst>
-            <pc:docMk/>
-            <pc:sldMk cId="3664032414" sldId="270"/>
-            <ac:spMk id="3" creationId="{FB0EA3CF-BB8A-1C4E-7A3A-DC28DBA68DD9}"/>
-          </ac:spMkLst>
-        </pc:spChg>
-      </pc:sldChg>
-      <pc:sldChg chg="modSp mod">
-        <pc:chgData name="BOUCADAIR Mohamed INNOV/NET" userId="2acbca90-6db1-4111-98c4-832797dda751" providerId="ADAL" clId="{59F6FDA4-2B5F-4B5B-B88E-9904D84ED0E1}" dt="2024-07-25T10:26:31.140" v="569"/>
+      <pc:sldChg chg="addSp delSp modSp mod">
+        <pc:chgData name="BOUCADAIR Mohamed INNOV/NET" userId="2acbca90-6db1-4111-98c4-832797dda751" providerId="ADAL" clId="{D2F81640-DBF7-4596-A85C-8BBE2BAACBF2}" dt="2024-07-16T10:18:13.267" v="236" actId="20577"/>
         <pc:sldMkLst>
           <pc:docMk/>
           <pc:sldMk cId="514278596" sldId="274"/>
         </pc:sldMkLst>
         <pc:spChg chg="mod">
-          <ac:chgData name="BOUCADAIR Mohamed INNOV/NET" userId="2acbca90-6db1-4111-98c4-832797dda751" providerId="ADAL" clId="{59F6FDA4-2B5F-4B5B-B88E-9904D84ED0E1}" dt="2024-07-25T10:26:31.140" v="569"/>
+          <ac:chgData name="BOUCADAIR Mohamed INNOV/NET" userId="2acbca90-6db1-4111-98c4-832797dda751" providerId="ADAL" clId="{D2F81640-DBF7-4596-A85C-8BBE2BAACBF2}" dt="2024-07-16T10:18:13.267" v="236" actId="20577"/>
           <ac:spMkLst>
             <pc:docMk/>
             <pc:sldMk cId="514278596" sldId="274"/>
             <ac:spMk id="5" creationId="{3856129A-94B9-0425-E3E2-66E6DE494147}"/>
           </ac:spMkLst>
         </pc:spChg>
-      </pc:sldChg>
-      <pc:sldChg chg="addSp delSp modSp new del mod">
-        <pc:chgData name="BOUCADAIR Mohamed INNOV/NET" userId="2acbca90-6db1-4111-98c4-832797dda751" providerId="ADAL" clId="{59F6FDA4-2B5F-4B5B-B88E-9904D84ED0E1}" dt="2024-07-25T10:24:29.805" v="528" actId="47"/>
-        <pc:sldMkLst>
-          <pc:docMk/>
-          <pc:sldMk cId="1210538029" sldId="276"/>
-        </pc:sldMkLst>
-        <pc:spChg chg="mod">
-          <ac:chgData name="BOUCADAIR Mohamed INNOV/NET" userId="2acbca90-6db1-4111-98c4-832797dda751" providerId="ADAL" clId="{59F6FDA4-2B5F-4B5B-B88E-9904D84ED0E1}" dt="2024-07-25T10:22:05.753" v="475" actId="20577"/>
-          <ac:spMkLst>
-            <pc:docMk/>
-            <pc:sldMk cId="1210538029" sldId="276"/>
-            <ac:spMk id="2" creationId="{8D0A9E63-A403-35AB-D257-445F2EB3A880}"/>
-          </ac:spMkLst>
-        </pc:spChg>
-        <pc:spChg chg="del">
-          <ac:chgData name="BOUCADAIR Mohamed INNOV/NET" userId="2acbca90-6db1-4111-98c4-832797dda751" providerId="ADAL" clId="{59F6FDA4-2B5F-4B5B-B88E-9904D84ED0E1}" dt="2024-07-25T10:21:46.178" v="467" actId="478"/>
-          <ac:spMkLst>
-            <pc:docMk/>
-            <pc:sldMk cId="1210538029" sldId="276"/>
-            <ac:spMk id="3" creationId="{63CE1D58-85E9-DF46-42CD-DDE5467A2C8D}"/>
-          </ac:spMkLst>
-        </pc:spChg>
-        <pc:spChg chg="add mod">
-          <ac:chgData name="BOUCADAIR Mohamed INNOV/NET" userId="2acbca90-6db1-4111-98c4-832797dda751" providerId="ADAL" clId="{59F6FDA4-2B5F-4B5B-B88E-9904D84ED0E1}" dt="2024-07-25T10:22:39.318" v="482" actId="208"/>
-          <ac:spMkLst>
-            <pc:docMk/>
-            <pc:sldMk cId="1210538029" sldId="276"/>
-            <ac:spMk id="7" creationId="{D1B45DFC-0642-CD92-0761-37A3232DD028}"/>
-          </ac:spMkLst>
-        </pc:spChg>
-        <pc:spChg chg="add mod">
-          <ac:chgData name="BOUCADAIR Mohamed INNOV/NET" userId="2acbca90-6db1-4111-98c4-832797dda751" providerId="ADAL" clId="{59F6FDA4-2B5F-4B5B-B88E-9904D84ED0E1}" dt="2024-07-25T10:22:45.686" v="483" actId="1076"/>
-          <ac:spMkLst>
-            <pc:docMk/>
-            <pc:sldMk cId="1210538029" sldId="276"/>
-            <ac:spMk id="8" creationId="{322AA1CE-42C4-221C-C03C-3ADDE5E9428A}"/>
-          </ac:spMkLst>
-        </pc:spChg>
-        <pc:spChg chg="add mod">
-          <ac:chgData name="BOUCADAIR Mohamed INNOV/NET" userId="2acbca90-6db1-4111-98c4-832797dda751" providerId="ADAL" clId="{59F6FDA4-2B5F-4B5B-B88E-9904D84ED0E1}" dt="2024-07-25T10:24:21.471" v="527" actId="14100"/>
-          <ac:spMkLst>
-            <pc:docMk/>
-            <pc:sldMk cId="1210538029" sldId="276"/>
-            <ac:spMk id="9" creationId="{AE3EC158-B6C2-83CD-C9E4-0C689DEC06B5}"/>
-          </ac:spMkLst>
-        </pc:spChg>
-        <pc:picChg chg="add mod">
-          <ac:chgData name="BOUCADAIR Mohamed INNOV/NET" userId="2acbca90-6db1-4111-98c4-832797dda751" providerId="ADAL" clId="{59F6FDA4-2B5F-4B5B-B88E-9904D84ED0E1}" dt="2024-07-25T10:22:03.394" v="473" actId="1076"/>
-          <ac:picMkLst>
-            <pc:docMk/>
-            <pc:sldMk cId="1210538029" sldId="276"/>
-            <ac:picMk id="6" creationId="{841BE516-3EF8-8CC1-7182-2872E92DC3D4}"/>
-          </ac:picMkLst>
-        </pc:picChg>
-      </pc:sldChg>
-    </pc:docChg>
-  </pc:docChgLst>
-  <pc:docChgLst>
-    <pc:chgData name="BOUCADAIR Mohamed INNOV/NET" userId="2acbca90-6db1-4111-98c4-832797dda751" providerId="ADAL" clId="{91DE2053-694C-444E-9F1C-8B0299126E9C}"/>
-    <pc:docChg chg="modSld">
-      <pc:chgData name="BOUCADAIR Mohamed INNOV/NET" userId="2acbca90-6db1-4111-98c4-832797dda751" providerId="ADAL" clId="{91DE2053-694C-444E-9F1C-8B0299126E9C}" dt="2024-07-09T13:47:56.045" v="3" actId="114"/>
-      <pc:docMkLst>
-        <pc:docMk/>
-      </pc:docMkLst>
-      <pc:sldChg chg="modSp mod">
-        <pc:chgData name="BOUCADAIR Mohamed INNOV/NET" userId="2acbca90-6db1-4111-98c4-832797dda751" providerId="ADAL" clId="{91DE2053-694C-444E-9F1C-8B0299126E9C}" dt="2024-07-09T13:47:39.975" v="0" actId="6549"/>
-        <pc:sldMkLst>
-          <pc:docMk/>
-          <pc:sldMk cId="2749868532" sldId="268"/>
-        </pc:sldMkLst>
-        <pc:spChg chg="mod">
-          <ac:chgData name="BOUCADAIR Mohamed INNOV/NET" userId="2acbca90-6db1-4111-98c4-832797dda751" providerId="ADAL" clId="{91DE2053-694C-444E-9F1C-8B0299126E9C}" dt="2024-07-09T13:47:39.975" v="0" actId="6549"/>
-          <ac:spMkLst>
-            <pc:docMk/>
-            <pc:sldMk cId="2749868532" sldId="268"/>
-            <ac:spMk id="9" creationId="{BB4F778F-8939-B422-821F-330027B1D08E}"/>
-          </ac:spMkLst>
-        </pc:spChg>
-      </pc:sldChg>
-      <pc:sldChg chg="modSp mod">
-        <pc:chgData name="BOUCADAIR Mohamed INNOV/NET" userId="2acbca90-6db1-4111-98c4-832797dda751" providerId="ADAL" clId="{91DE2053-694C-444E-9F1C-8B0299126E9C}" dt="2024-07-09T13:47:56.045" v="3" actId="114"/>
-        <pc:sldMkLst>
-          <pc:docMk/>
-          <pc:sldMk cId="1331798219" sldId="273"/>
-        </pc:sldMkLst>
-        <pc:spChg chg="mod">
-          <ac:chgData name="BOUCADAIR Mohamed INNOV/NET" userId="2acbca90-6db1-4111-98c4-832797dda751" providerId="ADAL" clId="{91DE2053-694C-444E-9F1C-8B0299126E9C}" dt="2024-07-09T13:47:56.045" v="3" actId="114"/>
-          <ac:spMkLst>
-            <pc:docMk/>
-            <pc:sldMk cId="1331798219" sldId="273"/>
-            <ac:spMk id="3" creationId="{6442B71D-4950-F917-F8CB-D32A0312F531}"/>
-          </ac:spMkLst>
-        </pc:spChg>
-      </pc:sldChg>
-      <pc:sldChg chg="modSp mod">
-        <pc:chgData name="BOUCADAIR Mohamed INNOV/NET" userId="2acbca90-6db1-4111-98c4-832797dda751" providerId="ADAL" clId="{91DE2053-694C-444E-9F1C-8B0299126E9C}" dt="2024-07-09T13:47:44.805" v="2" actId="20577"/>
-        <pc:sldMkLst>
-          <pc:docMk/>
-          <pc:sldMk cId="514278596" sldId="274"/>
-        </pc:sldMkLst>
-        <pc:spChg chg="mod">
-          <ac:chgData name="BOUCADAIR Mohamed INNOV/NET" userId="2acbca90-6db1-4111-98c4-832797dda751" providerId="ADAL" clId="{91DE2053-694C-444E-9F1C-8B0299126E9C}" dt="2024-07-09T13:47:44.805" v="2" actId="20577"/>
+        <pc:spChg chg="add del mod">
+          <ac:chgData name="BOUCADAIR Mohamed INNOV/NET" userId="2acbca90-6db1-4111-98c4-832797dda751" providerId="ADAL" clId="{D2F81640-DBF7-4596-A85C-8BBE2BAACBF2}" dt="2024-07-16T10:17:47.377" v="230" actId="478"/>
           <ac:spMkLst>
             <pc:docMk/>
             <pc:sldMk cId="514278596" sldId="274"/>
-            <ac:spMk id="5" creationId="{3856129A-94B9-0425-E3E2-66E6DE494147}"/>
+            <ac:spMk id="6" creationId="{2AF546A0-30B2-8592-4398-B35176E22E58}"/>
+          </ac:spMkLst>
+        </pc:spChg>
+        <pc:spChg chg="add del mod">
+          <ac:chgData name="BOUCADAIR Mohamed INNOV/NET" userId="2acbca90-6db1-4111-98c4-832797dda751" providerId="ADAL" clId="{D2F81640-DBF7-4596-A85C-8BBE2BAACBF2}" dt="2024-07-16T10:17:49.657" v="231" actId="478"/>
+          <ac:spMkLst>
+            <pc:docMk/>
+            <pc:sldMk cId="514278596" sldId="274"/>
+            <ac:spMk id="7" creationId="{DCD64453-FCEB-586A-5A4E-B232DB3AEA38}"/>
           </ac:spMkLst>
         </pc:spChg>
       </pc:sldChg>
@@ -1648,58 +1650,56 @@
     </pc:docChg>
   </pc:docChgLst>
   <pc:docChgLst>
-    <pc:chgData name="BOUCADAIR Mohamed INNOV/NET" userId="2acbca90-6db1-4111-98c4-832797dda751" providerId="ADAL" clId="{5E7AF159-790E-476D-B646-0EA162FC4C56}"/>
-    <pc:docChg chg="custSel modSld">
-      <pc:chgData name="BOUCADAIR Mohamed INNOV/NET" userId="2acbca90-6db1-4111-98c4-832797dda751" providerId="ADAL" clId="{5E7AF159-790E-476D-B646-0EA162FC4C56}" dt="2024-07-25T10:31:23.642" v="34" actId="207"/>
+    <pc:chgData name="BOUCADAIR Mohamed INNOV/NET" userId="2acbca90-6db1-4111-98c4-832797dda751" providerId="ADAL" clId="{91DE2053-694C-444E-9F1C-8B0299126E9C}"/>
+    <pc:docChg chg="modSld">
+      <pc:chgData name="BOUCADAIR Mohamed INNOV/NET" userId="2acbca90-6db1-4111-98c4-832797dda751" providerId="ADAL" clId="{91DE2053-694C-444E-9F1C-8B0299126E9C}" dt="2024-07-09T13:47:56.045" v="3" actId="114"/>
       <pc:docMkLst>
         <pc:docMk/>
       </pc:docMkLst>
-      <pc:sldChg chg="addSp delSp modSp mod">
-        <pc:chgData name="BOUCADAIR Mohamed INNOV/NET" userId="2acbca90-6db1-4111-98c4-832797dda751" providerId="ADAL" clId="{5E7AF159-790E-476D-B646-0EA162FC4C56}" dt="2024-07-25T10:31:23.642" v="34" actId="207"/>
+      <pc:sldChg chg="modSp mod">
+        <pc:chgData name="BOUCADAIR Mohamed INNOV/NET" userId="2acbca90-6db1-4111-98c4-832797dda751" providerId="ADAL" clId="{91DE2053-694C-444E-9F1C-8B0299126E9C}" dt="2024-07-09T13:47:39.975" v="0" actId="6549"/>
         <pc:sldMkLst>
           <pc:docMk/>
-          <pc:sldMk cId="513082138" sldId="271"/>
+          <pc:sldMk cId="2749868532" sldId="268"/>
         </pc:sldMkLst>
-        <pc:spChg chg="add del mod">
-          <ac:chgData name="BOUCADAIR Mohamed INNOV/NET" userId="2acbca90-6db1-4111-98c4-832797dda751" providerId="ADAL" clId="{5E7AF159-790E-476D-B646-0EA162FC4C56}" dt="2024-07-25T10:30:18.251" v="6" actId="478"/>
+        <pc:spChg chg="mod">
+          <ac:chgData name="BOUCADAIR Mohamed INNOV/NET" userId="2acbca90-6db1-4111-98c4-832797dda751" providerId="ADAL" clId="{91DE2053-694C-444E-9F1C-8B0299126E9C}" dt="2024-07-09T13:47:39.975" v="0" actId="6549"/>
           <ac:spMkLst>
             <pc:docMk/>
-            <pc:sldMk cId="513082138" sldId="271"/>
-            <ac:spMk id="7" creationId="{959513DF-7598-B39D-5374-43A00E7C1D11}"/>
+            <pc:sldMk cId="2749868532" sldId="268"/>
+            <ac:spMk id="9" creationId="{BB4F778F-8939-B422-821F-330027B1D08E}"/>
           </ac:spMkLst>
         </pc:spChg>
-        <pc:spChg chg="add mod">
-          <ac:chgData name="BOUCADAIR Mohamed INNOV/NET" userId="2acbca90-6db1-4111-98c4-832797dda751" providerId="ADAL" clId="{5E7AF159-790E-476D-B646-0EA162FC4C56}" dt="2024-07-25T10:31:06.040" v="19" actId="14100"/>
+      </pc:sldChg>
+      <pc:sldChg chg="modSp mod">
+        <pc:chgData name="BOUCADAIR Mohamed INNOV/NET" userId="2acbca90-6db1-4111-98c4-832797dda751" providerId="ADAL" clId="{91DE2053-694C-444E-9F1C-8B0299126E9C}" dt="2024-07-09T13:47:56.045" v="3" actId="114"/>
+        <pc:sldMkLst>
+          <pc:docMk/>
+          <pc:sldMk cId="1331798219" sldId="273"/>
+        </pc:sldMkLst>
+        <pc:spChg chg="mod">
+          <ac:chgData name="BOUCADAIR Mohamed INNOV/NET" userId="2acbca90-6db1-4111-98c4-832797dda751" providerId="ADAL" clId="{91DE2053-694C-444E-9F1C-8B0299126E9C}" dt="2024-07-09T13:47:56.045" v="3" actId="114"/>
           <ac:spMkLst>
             <pc:docMk/>
-            <pc:sldMk cId="513082138" sldId="271"/>
-            <ac:spMk id="8" creationId="{5DFD05E8-7913-434C-25CA-289688FED3CE}"/>
+            <pc:sldMk cId="1331798219" sldId="273"/>
+            <ac:spMk id="3" creationId="{6442B71D-4950-F917-F8CB-D32A0312F531}"/>
           </ac:spMkLst>
         </pc:spChg>
-        <pc:spChg chg="add mod">
-          <ac:chgData name="BOUCADAIR Mohamed INNOV/NET" userId="2acbca90-6db1-4111-98c4-832797dda751" providerId="ADAL" clId="{5E7AF159-790E-476D-B646-0EA162FC4C56}" dt="2024-07-25T10:31:23.642" v="34" actId="207"/>
+      </pc:sldChg>
+      <pc:sldChg chg="modSp mod">
+        <pc:chgData name="BOUCADAIR Mohamed INNOV/NET" userId="2acbca90-6db1-4111-98c4-832797dda751" providerId="ADAL" clId="{91DE2053-694C-444E-9F1C-8B0299126E9C}" dt="2024-07-09T13:47:44.805" v="2" actId="20577"/>
+        <pc:sldMkLst>
+          <pc:docMk/>
+          <pc:sldMk cId="514278596" sldId="274"/>
+        </pc:sldMkLst>
+        <pc:spChg chg="mod">
+          <ac:chgData name="BOUCADAIR Mohamed INNOV/NET" userId="2acbca90-6db1-4111-98c4-832797dda751" providerId="ADAL" clId="{91DE2053-694C-444E-9F1C-8B0299126E9C}" dt="2024-07-09T13:47:44.805" v="2" actId="20577"/>
           <ac:spMkLst>
             <pc:docMk/>
-            <pc:sldMk cId="513082138" sldId="271"/>
-            <ac:spMk id="9" creationId="{2328023F-1C93-51F0-A761-742333E90631}"/>
+            <pc:sldMk cId="514278596" sldId="274"/>
+            <ac:spMk id="5" creationId="{3856129A-94B9-0425-E3E2-66E6DE494147}"/>
           </ac:spMkLst>
         </pc:spChg>
-        <pc:picChg chg="add mod">
-          <ac:chgData name="BOUCADAIR Mohamed INNOV/NET" userId="2acbca90-6db1-4111-98c4-832797dda751" providerId="ADAL" clId="{5E7AF159-790E-476D-B646-0EA162FC4C56}" dt="2024-07-25T10:29:41.283" v="2" actId="1076"/>
-          <ac:picMkLst>
-            <pc:docMk/>
-            <pc:sldMk cId="513082138" sldId="271"/>
-            <ac:picMk id="5" creationId="{AF5338B3-82EF-B6E1-3E64-A69B18A3C63B}"/>
-          </ac:picMkLst>
-        </pc:picChg>
-        <pc:picChg chg="del">
-          <ac:chgData name="BOUCADAIR Mohamed INNOV/NET" userId="2acbca90-6db1-4111-98c4-832797dda751" providerId="ADAL" clId="{5E7AF159-790E-476D-B646-0EA162FC4C56}" dt="2024-07-25T10:29:38.004" v="0" actId="478"/>
-          <ac:picMkLst>
-            <pc:docMk/>
-            <pc:sldMk cId="513082138" sldId="271"/>
-            <ac:picMk id="6" creationId="{12D77918-8ECB-6E5D-0965-E81951B65AA8}"/>
-          </ac:picMkLst>
-        </pc:picChg>
       </pc:sldChg>
     </pc:docChg>
   </pc:docChgLst>
@@ -3217,7 +3217,7 @@
             </a:pPr>
             <a:fld id="{00000000-1234-1234-1234-123412341234}" type="slidenum">
               <a:rPr lang="en-US"/>
-              <a:t>‹N°›</a:t>
+              <a:t>‹#›</a:t>
             </a:fld>
             <a:endParaRPr/>
           </a:p>
@@ -3874,7 +3874,7 @@
             </a:pPr>
             <a:fld id="{00000000-1234-1234-1234-123412341234}" type="slidenum">
               <a:rPr lang="en-US"/>
-              <a:t>‹N°›</a:t>
+              <a:t>‹#›</a:t>
             </a:fld>
             <a:endParaRPr/>
           </a:p>
@@ -5110,7 +5110,7 @@
             </a:pPr>
             <a:fld id="{00000000-1234-1234-1234-123412341234}" type="slidenum">
               <a:rPr lang="en-US"/>
-              <a:t>‹N°›</a:t>
+              <a:t>‹#›</a:t>
             </a:fld>
             <a:endParaRPr/>
           </a:p>
@@ -6105,7 +6105,7 @@
             </a:pPr>
             <a:fld id="{00000000-1234-1234-1234-123412341234}" type="slidenum">
               <a:rPr lang="en-US"/>
-              <a:t>‹N°›</a:t>
+              <a:t>‹#›</a:t>
             </a:fld>
             <a:endParaRPr/>
           </a:p>
@@ -6679,7 +6679,7 @@
             </a:pPr>
             <a:fld id="{00000000-1234-1234-1234-123412341234}" type="slidenum">
               <a:rPr lang="en-US"/>
-              <a:t>‹N°›</a:t>
+              <a:t>‹#›</a:t>
             </a:fld>
             <a:endParaRPr/>
           </a:p>
@@ -7915,7 +7915,7 @@
             </a:pPr>
             <a:fld id="{00000000-1234-1234-1234-123412341234}" type="slidenum">
               <a:rPr lang="en-US"/>
-              <a:t>‹N°›</a:t>
+              <a:t>‹#›</a:t>
             </a:fld>
             <a:endParaRPr/>
           </a:p>
@@ -8407,7 +8407,7 @@
             </a:pPr>
             <a:fld id="{00000000-1234-1234-1234-123412341234}" type="slidenum">
               <a:rPr lang="en-US"/>
-              <a:t>‹N°›</a:t>
+              <a:t>‹#›</a:t>
             </a:fld>
             <a:endParaRPr/>
           </a:p>
@@ -9259,7 +9259,7 @@
             </a:pPr>
             <a:fld id="{00000000-1234-1234-1234-123412341234}" type="slidenum">
               <a:rPr lang="en-US"/>
-              <a:t>‹N°›</a:t>
+              <a:t>‹#›</a:t>
             </a:fld>
             <a:endParaRPr/>
           </a:p>
@@ -10235,7 +10235,7 @@
             </a:pPr>
             <a:fld id="{00000000-1234-1234-1234-123412341234}" type="slidenum">
               <a:rPr lang="en-US"/>
-              <a:t>‹N°›</a:t>
+              <a:t>‹#›</a:t>
             </a:fld>
             <a:endParaRPr/>
           </a:p>
@@ -10529,7 +10529,7 @@
             </a:pPr>
             <a:fld id="{00000000-1234-1234-1234-123412341234}" type="slidenum">
               <a:rPr lang="en-US"/>
-              <a:t>‹N°›</a:t>
+              <a:t>‹#›</a:t>
             </a:fld>
             <a:endParaRPr/>
           </a:p>
@@ -11737,7 +11737,7 @@
             </a:pPr>
             <a:fld id="{00000000-1234-1234-1234-123412341234}" type="slidenum">
               <a:rPr lang="en-US"/>
-              <a:t>‹N°›</a:t>
+              <a:t>‹#›</a:t>
             </a:fld>
             <a:endParaRPr/>
           </a:p>
@@ -12643,7 +12643,7 @@
             </a:pPr>
             <a:fld id="{00000000-1234-1234-1234-123412341234}" type="slidenum">
               <a:rPr lang="en-US"/>
-              <a:t>‹N°›</a:t>
+              <a:t>‹#›</a:t>
             </a:fld>
             <a:endParaRPr/>
           </a:p>
@@ -13368,7 +13368,7 @@
             </a:pPr>
             <a:fld id="{00000000-1234-1234-1234-123412341234}" type="slidenum">
               <a:rPr lang="en-US"/>
-              <a:t>‹N°›</a:t>
+              <a:t>‹#›</a:t>
             </a:fld>
             <a:endParaRPr/>
           </a:p>
@@ -14237,7 +14237,7 @@
             </a:pPr>
             <a:fld id="{00000000-1234-1234-1234-123412341234}" type="slidenum">
               <a:rPr lang="en-US"/>
-              <a:t>‹N°›</a:t>
+              <a:t>‹#›</a:t>
             </a:fld>
             <a:endParaRPr/>
           </a:p>
@@ -15354,7 +15354,7 @@
             </a:pPr>
             <a:fld id="{00000000-1234-1234-1234-123412341234}" type="slidenum">
               <a:rPr lang="en-US"/>
-              <a:t>‹N°›</a:t>
+              <a:t>‹#›</a:t>
             </a:fld>
             <a:endParaRPr/>
           </a:p>
@@ -15695,7 +15695,7 @@
             </a:pPr>
             <a:fld id="{00000000-1234-1234-1234-123412341234}" type="slidenum">
               <a:rPr lang="en-US"/>
-              <a:t>‹N°›</a:t>
+              <a:t>‹#›</a:t>
             </a:fld>
             <a:endParaRPr/>
           </a:p>
@@ -17777,7 +17777,7 @@
             </a:pPr>
             <a:fld id="{00000000-1234-1234-1234-123412341234}" type="slidenum">
               <a:rPr lang="en-US"/>
-              <a:t>‹N°›</a:t>
+              <a:t>‹#›</a:t>
             </a:fld>
             <a:endParaRPr/>
           </a:p>
@@ -18865,6 +18865,10 @@
           <a:lstStyle/>
           <a:p>
             <a:r>
+              <a:rPr lang="fr-FR" dirty="0"/>
+              <a:t>Digital </a:t>
+            </a:r>
+            <a:r>
               <a:rPr lang="fr-FR" dirty="0" err="1"/>
               <a:t>Map</a:t>
             </a:r>
@@ -20441,7 +20445,7 @@
         <p:fade/>
       </p:transition>
     </mc:Choice>
-    <mc:Fallback xmlns="" xmlns:mv="urn:schemas-microsoft-com:mac:vml" xmlns:c="http://schemas.openxmlformats.org/drawingml/2006/chart" xmlns:dgm="http://schemas.openxmlformats.org/drawingml/2006/diagram" xmlns:o="urn:schemas-microsoft-com:office:office" xmlns:v="urn:schemas-microsoft-com:vml" xmlns:pvml="urn:schemas-microsoft-com:office:powerpoint" xmlns:com="http://schemas.openxmlformats.org/drawingml/2006/compatibility" xmlns:p15="http://schemas.microsoft.com/office/powerpoint/2012/main" xmlns:ahyp="http://schemas.microsoft.com/office/drawing/2018/hyperlinkcolor">
+    <mc:Fallback xmlns:ahyp="http://schemas.microsoft.com/office/drawing/2018/hyperlinkcolor" xmlns:p15="http://schemas.microsoft.com/office/powerpoint/2012/main" xmlns:com="http://schemas.openxmlformats.org/drawingml/2006/compatibility" xmlns:pvml="urn:schemas-microsoft-com:office:powerpoint" xmlns:v="urn:schemas-microsoft-com:vml" xmlns:o="urn:schemas-microsoft-com:office:office" xmlns:dgm="http://schemas.openxmlformats.org/drawingml/2006/diagram" xmlns:c="http://schemas.openxmlformats.org/drawingml/2006/chart" xmlns:mv="urn:schemas-microsoft-com:mac:vml" xmlns="">
       <p:transition spd="slow">
         <p:fade/>
       </p:transition>
@@ -20776,7 +20780,7 @@
         <p:fade/>
       </p:transition>
     </mc:Choice>
-    <mc:Fallback xmlns="" xmlns:mv="urn:schemas-microsoft-com:mac:vml" xmlns:c="http://schemas.openxmlformats.org/drawingml/2006/chart" xmlns:dgm="http://schemas.openxmlformats.org/drawingml/2006/diagram" xmlns:o="urn:schemas-microsoft-com:office:office" xmlns:v="urn:schemas-microsoft-com:vml" xmlns:pvml="urn:schemas-microsoft-com:office:powerpoint" xmlns:com="http://schemas.openxmlformats.org/drawingml/2006/compatibility" xmlns:p15="http://schemas.microsoft.com/office/powerpoint/2012/main" xmlns:ahyp="http://schemas.microsoft.com/office/drawing/2018/hyperlinkcolor">
+    <mc:Fallback xmlns:ahyp="http://schemas.microsoft.com/office/drawing/2018/hyperlinkcolor" xmlns:p15="http://schemas.microsoft.com/office/powerpoint/2012/main" xmlns:com="http://schemas.openxmlformats.org/drawingml/2006/compatibility" xmlns:pvml="urn:schemas-microsoft-com:office:powerpoint" xmlns:v="urn:schemas-microsoft-com:vml" xmlns:o="urn:schemas-microsoft-com:office:office" xmlns:dgm="http://schemas.openxmlformats.org/drawingml/2006/diagram" xmlns:c="http://schemas.openxmlformats.org/drawingml/2006/chart" xmlns:mv="urn:schemas-microsoft-com:mac:vml" xmlns="">
       <p:transition spd="slow">
         <p:fade/>
       </p:transition>
@@ -22382,7 +22386,7 @@
             </a:solidFill>
             <a:extLst>
               <a:ext uri="{C807C97D-BFC1-408E-A445-0C87EB9F89A2}">
-                <ask:lineSketchStyleProps xmlns:ask="http://schemas.microsoft.com/office/drawing/2018/sketchyshapes" sd="3608884092">
+                <ask:lineSketchStyleProps xmlns:ask="http://schemas.microsoft.com/office/drawing/2018/sketchyshapes" xmlns="" sd="3608884092">
                   <a:prstGeom prst="rect">
                     <a:avLst/>
                   </a:prstGeom>
@@ -22515,7 +22519,7 @@
         </p:nvSpPr>
         <p:spPr>
           <a:xfrm>
-            <a:off x="7067907" y="3718730"/>
+            <a:off x="7358761" y="3686945"/>
             <a:ext cx="1764927" cy="307777"/>
           </a:xfrm>
           <a:prstGeom prst="rect">
@@ -22536,22 +22540,6 @@
                 </a:solidFill>
               </a:rPr>
               <a:t>Anomaly</a:t>
-            </a:r>
-            <a:r>
-              <a:rPr lang="fr-FR" dirty="0">
-                <a:solidFill>
-                  <a:srgbClr val="00B0F0"/>
-                </a:solidFill>
-              </a:rPr>
-              <a:t> </a:t>
-            </a:r>
-            <a:r>
-              <a:rPr lang="fr-FR" dirty="0" err="1">
-                <a:solidFill>
-                  <a:srgbClr val="00B0F0"/>
-                </a:solidFill>
-              </a:rPr>
-              <a:t>detection</a:t>
             </a:r>
             <a:endParaRPr lang="fr-FR" dirty="0">
               <a:solidFill>
@@ -22625,8 +22613,21 @@
                   <a:srgbClr val="00B0F0"/>
                 </a:solidFill>
               </a:rPr>
-              <a:t>Topologies</a:t>
+              <a:t>Digital </a:t>
             </a:r>
+            <a:r>
+              <a:rPr lang="fr-FR" dirty="0" err="1">
+                <a:solidFill>
+                  <a:srgbClr val="00B0F0"/>
+                </a:solidFill>
+              </a:rPr>
+              <a:t>Map</a:t>
+            </a:r>
+            <a:endParaRPr lang="fr-FR" dirty="0">
+              <a:solidFill>
+                <a:srgbClr val="00B0F0"/>
+              </a:solidFill>
+            </a:endParaRPr>
           </a:p>
         </p:txBody>
       </p:sp>
@@ -22645,7 +22646,7 @@
         <p:spPr>
           <a:xfrm>
             <a:off x="6274535" y="3754957"/>
-            <a:ext cx="833718" cy="235324"/>
+            <a:ext cx="1084226" cy="235324"/>
           </a:xfrm>
           <a:prstGeom prst="leftArrow">
             <a:avLst/>

--- a/121/nmop-chairs-slides-session-1.pptx
+++ b/121/nmop-chairs-slides-session-1.pptx
@@ -271,304 +271,31 @@
 </p:presentation>
 </file>
 
-<file path=ppt/revisionInfo.xml><?xml version="1.0" encoding="utf-8"?>
-<p1510:revInfo xmlns:a="http://schemas.openxmlformats.org/drawingml/2006/main" xmlns:r="http://schemas.openxmlformats.org/officeDocument/2006/relationships" xmlns:p1510="http://schemas.microsoft.com/office/powerpoint/2015/10/main">
-  <p1510:revLst>
-    <p1510:client id="{1EEB1F86-BAF6-41A3-85E7-36693E58AFA4}" v="7" dt="2024-10-30T15:39:15.007"/>
-  </p1510:revLst>
-</p1510:revInfo>
-</file>
-
 <file path=ppt/changesInfos/changesInfo1.xml><?xml version="1.0" encoding="utf-8"?>
 <pc:chgInfo xmlns:a="http://schemas.openxmlformats.org/drawingml/2006/main" xmlns:r="http://schemas.openxmlformats.org/officeDocument/2006/relationships" xmlns:ac="http://schemas.microsoft.com/office/drawing/2013/main/command" xmlns:pc="http://schemas.microsoft.com/office/powerpoint/2013/main/command">
   <pc:docChgLst>
-    <pc:chgData name="BOUCADAIR Mohamed INNOV/NET" userId="2acbca90-6db1-4111-98c4-832797dda751" providerId="ADAL" clId="{5E7AF159-790E-476D-B646-0EA162FC4C56}"/>
-    <pc:docChg chg="custSel modSld">
-      <pc:chgData name="BOUCADAIR Mohamed INNOV/NET" userId="2acbca90-6db1-4111-98c4-832797dda751" providerId="ADAL" clId="{5E7AF159-790E-476D-B646-0EA162FC4C56}" dt="2024-07-25T10:31:23.642" v="34" actId="207"/>
+    <pc:chgData name="BOUCADAIR Mohamed INNOV/NET" userId="2acbca90-6db1-4111-98c4-832797dda751" providerId="ADAL" clId="{B5FFD73F-60BE-4258-B46F-4D5BD7598DBA}"/>
+    <pc:docChg chg="undo custSel modSld">
+      <pc:chgData name="BOUCADAIR Mohamed INNOV/NET" userId="2acbca90-6db1-4111-98c4-832797dda751" providerId="ADAL" clId="{B5FFD73F-60BE-4258-B46F-4D5BD7598DBA}" dt="2024-11-04T08:32:57.346" v="27" actId="1035"/>
       <pc:docMkLst>
         <pc:docMk/>
       </pc:docMkLst>
       <pc:sldChg chg="addSp delSp modSp mod">
-        <pc:chgData name="BOUCADAIR Mohamed INNOV/NET" userId="2acbca90-6db1-4111-98c4-832797dda751" providerId="ADAL" clId="{5E7AF159-790E-476D-B646-0EA162FC4C56}" dt="2024-07-25T10:31:23.642" v="34" actId="207"/>
-        <pc:sldMkLst>
-          <pc:docMk/>
-          <pc:sldMk cId="513082138" sldId="271"/>
-        </pc:sldMkLst>
-        <pc:spChg chg="add del mod">
-          <ac:chgData name="BOUCADAIR Mohamed INNOV/NET" userId="2acbca90-6db1-4111-98c4-832797dda751" providerId="ADAL" clId="{5E7AF159-790E-476D-B646-0EA162FC4C56}" dt="2024-07-25T10:30:18.251" v="6" actId="478"/>
-          <ac:spMkLst>
-            <pc:docMk/>
-            <pc:sldMk cId="513082138" sldId="271"/>
-            <ac:spMk id="7" creationId="{959513DF-7598-B39D-5374-43A00E7C1D11}"/>
-          </ac:spMkLst>
-        </pc:spChg>
-        <pc:spChg chg="add mod">
-          <ac:chgData name="BOUCADAIR Mohamed INNOV/NET" userId="2acbca90-6db1-4111-98c4-832797dda751" providerId="ADAL" clId="{5E7AF159-790E-476D-B646-0EA162FC4C56}" dt="2024-07-25T10:31:06.040" v="19" actId="14100"/>
-          <ac:spMkLst>
-            <pc:docMk/>
-            <pc:sldMk cId="513082138" sldId="271"/>
-            <ac:spMk id="8" creationId="{5DFD05E8-7913-434C-25CA-289688FED3CE}"/>
-          </ac:spMkLst>
-        </pc:spChg>
-        <pc:spChg chg="add mod">
-          <ac:chgData name="BOUCADAIR Mohamed INNOV/NET" userId="2acbca90-6db1-4111-98c4-832797dda751" providerId="ADAL" clId="{5E7AF159-790E-476D-B646-0EA162FC4C56}" dt="2024-07-25T10:31:23.642" v="34" actId="207"/>
-          <ac:spMkLst>
-            <pc:docMk/>
-            <pc:sldMk cId="513082138" sldId="271"/>
-            <ac:spMk id="9" creationId="{2328023F-1C93-51F0-A761-742333E90631}"/>
-          </ac:spMkLst>
-        </pc:spChg>
-        <pc:picChg chg="add mod">
-          <ac:chgData name="BOUCADAIR Mohamed INNOV/NET" userId="2acbca90-6db1-4111-98c4-832797dda751" providerId="ADAL" clId="{5E7AF159-790E-476D-B646-0EA162FC4C56}" dt="2024-07-25T10:29:41.283" v="2" actId="1076"/>
-          <ac:picMkLst>
-            <pc:docMk/>
-            <pc:sldMk cId="513082138" sldId="271"/>
-            <ac:picMk id="5" creationId="{AF5338B3-82EF-B6E1-3E64-A69B18A3C63B}"/>
-          </ac:picMkLst>
-        </pc:picChg>
-        <pc:picChg chg="del">
-          <ac:chgData name="BOUCADAIR Mohamed INNOV/NET" userId="2acbca90-6db1-4111-98c4-832797dda751" providerId="ADAL" clId="{5E7AF159-790E-476D-B646-0EA162FC4C56}" dt="2024-07-25T10:29:38.004" v="0" actId="478"/>
-          <ac:picMkLst>
-            <pc:docMk/>
-            <pc:sldMk cId="513082138" sldId="271"/>
-            <ac:picMk id="6" creationId="{12D77918-8ECB-6E5D-0965-E81951B65AA8}"/>
-          </ac:picMkLst>
-        </pc:picChg>
-      </pc:sldChg>
-    </pc:docChg>
-  </pc:docChgLst>
-  <pc:docChgLst>
-    <pc:chgData name="BOUCADAIR Mohamed INNOV/NET" userId="2acbca90-6db1-4111-98c4-832797dda751" providerId="ADAL" clId="{59F6FDA4-2B5F-4B5B-B88E-9904D84ED0E1}"/>
-    <pc:docChg chg="custSel addSld delSld modSld">
-      <pc:chgData name="BOUCADAIR Mohamed INNOV/NET" userId="2acbca90-6db1-4111-98c4-832797dda751" providerId="ADAL" clId="{59F6FDA4-2B5F-4B5B-B88E-9904D84ED0E1}" dt="2024-07-25T10:26:57.628" v="582" actId="6549"/>
-      <pc:docMkLst>
-        <pc:docMk/>
-      </pc:docMkLst>
-      <pc:sldChg chg="modSp mod">
-        <pc:chgData name="BOUCADAIR Mohamed INNOV/NET" userId="2acbca90-6db1-4111-98c4-832797dda751" providerId="ADAL" clId="{59F6FDA4-2B5F-4B5B-B88E-9904D84ED0E1}" dt="2024-07-25T10:26:57.628" v="582" actId="6549"/>
-        <pc:sldMkLst>
-          <pc:docMk/>
-          <pc:sldMk cId="2749868532" sldId="268"/>
-        </pc:sldMkLst>
-        <pc:spChg chg="mod">
-          <ac:chgData name="BOUCADAIR Mohamed INNOV/NET" userId="2acbca90-6db1-4111-98c4-832797dda751" providerId="ADAL" clId="{59F6FDA4-2B5F-4B5B-B88E-9904D84ED0E1}" dt="2024-07-25T10:26:57.628" v="582" actId="6549"/>
-          <ac:spMkLst>
-            <pc:docMk/>
-            <pc:sldMk cId="2749868532" sldId="268"/>
-            <ac:spMk id="9" creationId="{BB4F778F-8939-B422-821F-330027B1D08E}"/>
-          </ac:spMkLst>
-        </pc:spChg>
-      </pc:sldChg>
-      <pc:sldChg chg="addSp modSp mod">
-        <pc:chgData name="BOUCADAIR Mohamed INNOV/NET" userId="2acbca90-6db1-4111-98c4-832797dda751" providerId="ADAL" clId="{59F6FDA4-2B5F-4B5B-B88E-9904D84ED0E1}" dt="2024-07-25T10:26:22.246" v="567"/>
-        <pc:sldMkLst>
-          <pc:docMk/>
-          <pc:sldMk cId="3664032414" sldId="270"/>
-        </pc:sldMkLst>
-        <pc:spChg chg="add mod">
-          <ac:chgData name="BOUCADAIR Mohamed INNOV/NET" userId="2acbca90-6db1-4111-98c4-832797dda751" providerId="ADAL" clId="{59F6FDA4-2B5F-4B5B-B88E-9904D84ED0E1}" dt="2024-07-25T10:26:22.246" v="567"/>
-          <ac:spMkLst>
-            <pc:docMk/>
-            <pc:sldMk cId="3664032414" sldId="270"/>
-            <ac:spMk id="3" creationId="{FB0EA3CF-BB8A-1C4E-7A3A-DC28DBA68DD9}"/>
-          </ac:spMkLst>
-        </pc:spChg>
-      </pc:sldChg>
-      <pc:sldChg chg="modSp mod">
-        <pc:chgData name="BOUCADAIR Mohamed INNOV/NET" userId="2acbca90-6db1-4111-98c4-832797dda751" providerId="ADAL" clId="{59F6FDA4-2B5F-4B5B-B88E-9904D84ED0E1}" dt="2024-07-25T10:26:31.140" v="569"/>
-        <pc:sldMkLst>
-          <pc:docMk/>
-          <pc:sldMk cId="514278596" sldId="274"/>
-        </pc:sldMkLst>
-        <pc:spChg chg="mod">
-          <ac:chgData name="BOUCADAIR Mohamed INNOV/NET" userId="2acbca90-6db1-4111-98c4-832797dda751" providerId="ADAL" clId="{59F6FDA4-2B5F-4B5B-B88E-9904D84ED0E1}" dt="2024-07-25T10:26:31.140" v="569"/>
-          <ac:spMkLst>
-            <pc:docMk/>
-            <pc:sldMk cId="514278596" sldId="274"/>
-            <ac:spMk id="5" creationId="{3856129A-94B9-0425-E3E2-66E6DE494147}"/>
-          </ac:spMkLst>
-        </pc:spChg>
-      </pc:sldChg>
-      <pc:sldChg chg="addSp delSp modSp new del mod">
-        <pc:chgData name="BOUCADAIR Mohamed INNOV/NET" userId="2acbca90-6db1-4111-98c4-832797dda751" providerId="ADAL" clId="{59F6FDA4-2B5F-4B5B-B88E-9904D84ED0E1}" dt="2024-07-25T10:24:29.805" v="528" actId="47"/>
-        <pc:sldMkLst>
-          <pc:docMk/>
-          <pc:sldMk cId="1210538029" sldId="276"/>
-        </pc:sldMkLst>
-        <pc:spChg chg="mod">
-          <ac:chgData name="BOUCADAIR Mohamed INNOV/NET" userId="2acbca90-6db1-4111-98c4-832797dda751" providerId="ADAL" clId="{59F6FDA4-2B5F-4B5B-B88E-9904D84ED0E1}" dt="2024-07-25T10:22:05.753" v="475" actId="20577"/>
-          <ac:spMkLst>
-            <pc:docMk/>
-            <pc:sldMk cId="1210538029" sldId="276"/>
-            <ac:spMk id="2" creationId="{8D0A9E63-A403-35AB-D257-445F2EB3A880}"/>
-          </ac:spMkLst>
-        </pc:spChg>
-        <pc:spChg chg="del">
-          <ac:chgData name="BOUCADAIR Mohamed INNOV/NET" userId="2acbca90-6db1-4111-98c4-832797dda751" providerId="ADAL" clId="{59F6FDA4-2B5F-4B5B-B88E-9904D84ED0E1}" dt="2024-07-25T10:21:46.178" v="467" actId="478"/>
-          <ac:spMkLst>
-            <pc:docMk/>
-            <pc:sldMk cId="1210538029" sldId="276"/>
-            <ac:spMk id="3" creationId="{63CE1D58-85E9-DF46-42CD-DDE5467A2C8D}"/>
-          </ac:spMkLst>
-        </pc:spChg>
-        <pc:spChg chg="add mod">
-          <ac:chgData name="BOUCADAIR Mohamed INNOV/NET" userId="2acbca90-6db1-4111-98c4-832797dda751" providerId="ADAL" clId="{59F6FDA4-2B5F-4B5B-B88E-9904D84ED0E1}" dt="2024-07-25T10:22:39.318" v="482" actId="208"/>
-          <ac:spMkLst>
-            <pc:docMk/>
-            <pc:sldMk cId="1210538029" sldId="276"/>
-            <ac:spMk id="7" creationId="{D1B45DFC-0642-CD92-0761-37A3232DD028}"/>
-          </ac:spMkLst>
-        </pc:spChg>
-        <pc:spChg chg="add mod">
-          <ac:chgData name="BOUCADAIR Mohamed INNOV/NET" userId="2acbca90-6db1-4111-98c4-832797dda751" providerId="ADAL" clId="{59F6FDA4-2B5F-4B5B-B88E-9904D84ED0E1}" dt="2024-07-25T10:22:45.686" v="483" actId="1076"/>
-          <ac:spMkLst>
-            <pc:docMk/>
-            <pc:sldMk cId="1210538029" sldId="276"/>
-            <ac:spMk id="8" creationId="{322AA1CE-42C4-221C-C03C-3ADDE5E9428A}"/>
-          </ac:spMkLst>
-        </pc:spChg>
-        <pc:spChg chg="add mod">
-          <ac:chgData name="BOUCADAIR Mohamed INNOV/NET" userId="2acbca90-6db1-4111-98c4-832797dda751" providerId="ADAL" clId="{59F6FDA4-2B5F-4B5B-B88E-9904D84ED0E1}" dt="2024-07-25T10:24:21.471" v="527" actId="14100"/>
-          <ac:spMkLst>
-            <pc:docMk/>
-            <pc:sldMk cId="1210538029" sldId="276"/>
-            <ac:spMk id="9" creationId="{AE3EC158-B6C2-83CD-C9E4-0C689DEC06B5}"/>
-          </ac:spMkLst>
-        </pc:spChg>
-        <pc:picChg chg="add mod">
-          <ac:chgData name="BOUCADAIR Mohamed INNOV/NET" userId="2acbca90-6db1-4111-98c4-832797dda751" providerId="ADAL" clId="{59F6FDA4-2B5F-4B5B-B88E-9904D84ED0E1}" dt="2024-07-25T10:22:03.394" v="473" actId="1076"/>
-          <ac:picMkLst>
-            <pc:docMk/>
-            <pc:sldMk cId="1210538029" sldId="276"/>
-            <ac:picMk id="6" creationId="{841BE516-3EF8-8CC1-7182-2872E92DC3D4}"/>
-          </ac:picMkLst>
-        </pc:picChg>
-      </pc:sldChg>
-    </pc:docChg>
-  </pc:docChgLst>
-  <pc:docChgLst>
-    <pc:chgData name="BOUCADAIR Mohamed INNOV/NET" userId="2acbca90-6db1-4111-98c4-832797dda751" providerId="ADAL" clId="{40AA09E1-26BA-45C8-8F45-A3257F5F94CD}"/>
-    <pc:docChg chg="addSld modSld">
-      <pc:chgData name="BOUCADAIR Mohamed INNOV/NET" userId="2acbca90-6db1-4111-98c4-832797dda751" providerId="ADAL" clId="{40AA09E1-26BA-45C8-8F45-A3257F5F94CD}" dt="2024-07-26T16:49:37.571" v="94" actId="207"/>
-      <pc:docMkLst>
-        <pc:docMk/>
-      </pc:docMkLst>
-      <pc:sldChg chg="modSp new mod">
-        <pc:chgData name="BOUCADAIR Mohamed INNOV/NET" userId="2acbca90-6db1-4111-98c4-832797dda751" providerId="ADAL" clId="{40AA09E1-26BA-45C8-8F45-A3257F5F94CD}" dt="2024-07-26T16:49:28.106" v="92" actId="207"/>
-        <pc:sldMkLst>
-          <pc:docMk/>
-          <pc:sldMk cId="1594230437" sldId="276"/>
-        </pc:sldMkLst>
-        <pc:spChg chg="mod">
-          <ac:chgData name="BOUCADAIR Mohamed INNOV/NET" userId="2acbca90-6db1-4111-98c4-832797dda751" providerId="ADAL" clId="{40AA09E1-26BA-45C8-8F45-A3257F5F94CD}" dt="2024-07-26T16:47:13.796" v="15" actId="20577"/>
-          <ac:spMkLst>
-            <pc:docMk/>
-            <pc:sldMk cId="1594230437" sldId="276"/>
-            <ac:spMk id="2" creationId="{5F704634-0654-8909-B1A1-3A41DEE45E3D}"/>
-          </ac:spMkLst>
-        </pc:spChg>
-        <pc:spChg chg="mod">
-          <ac:chgData name="BOUCADAIR Mohamed INNOV/NET" userId="2acbca90-6db1-4111-98c4-832797dda751" providerId="ADAL" clId="{40AA09E1-26BA-45C8-8F45-A3257F5F94CD}" dt="2024-07-26T16:49:28.106" v="92" actId="207"/>
-          <ac:spMkLst>
-            <pc:docMk/>
-            <pc:sldMk cId="1594230437" sldId="276"/>
-            <ac:spMk id="3" creationId="{9C2E9E4F-D2DD-BA7E-1A8C-6271BFE87061}"/>
-          </ac:spMkLst>
-        </pc:spChg>
-      </pc:sldChg>
-      <pc:sldChg chg="modSp new mod">
-        <pc:chgData name="BOUCADAIR Mohamed INNOV/NET" userId="2acbca90-6db1-4111-98c4-832797dda751" providerId="ADAL" clId="{40AA09E1-26BA-45C8-8F45-A3257F5F94CD}" dt="2024-07-26T16:49:34.205" v="93" actId="207"/>
-        <pc:sldMkLst>
-          <pc:docMk/>
-          <pc:sldMk cId="1522662956" sldId="277"/>
-        </pc:sldMkLst>
-        <pc:spChg chg="mod">
-          <ac:chgData name="BOUCADAIR Mohamed INNOV/NET" userId="2acbca90-6db1-4111-98c4-832797dda751" providerId="ADAL" clId="{40AA09E1-26BA-45C8-8F45-A3257F5F94CD}" dt="2024-07-26T16:48:16.246" v="69" actId="20577"/>
-          <ac:spMkLst>
-            <pc:docMk/>
-            <pc:sldMk cId="1522662956" sldId="277"/>
-            <ac:spMk id="2" creationId="{B171D4B6-37B5-F97A-A308-F6929BAA3B22}"/>
-          </ac:spMkLst>
-        </pc:spChg>
-        <pc:spChg chg="mod">
-          <ac:chgData name="BOUCADAIR Mohamed INNOV/NET" userId="2acbca90-6db1-4111-98c4-832797dda751" providerId="ADAL" clId="{40AA09E1-26BA-45C8-8F45-A3257F5F94CD}" dt="2024-07-26T16:49:34.205" v="93" actId="207"/>
-          <ac:spMkLst>
-            <pc:docMk/>
-            <pc:sldMk cId="1522662956" sldId="277"/>
-            <ac:spMk id="3" creationId="{02F0270B-B543-0040-43B9-7A918D540129}"/>
-          </ac:spMkLst>
-        </pc:spChg>
-      </pc:sldChg>
-      <pc:sldChg chg="modSp new mod">
-        <pc:chgData name="BOUCADAIR Mohamed INNOV/NET" userId="2acbca90-6db1-4111-98c4-832797dda751" providerId="ADAL" clId="{40AA09E1-26BA-45C8-8F45-A3257F5F94CD}" dt="2024-07-26T16:49:37.571" v="94" actId="207"/>
-        <pc:sldMkLst>
-          <pc:docMk/>
-          <pc:sldMk cId="482176988" sldId="278"/>
-        </pc:sldMkLst>
-        <pc:spChg chg="mod">
-          <ac:chgData name="BOUCADAIR Mohamed INNOV/NET" userId="2acbca90-6db1-4111-98c4-832797dda751" providerId="ADAL" clId="{40AA09E1-26BA-45C8-8F45-A3257F5F94CD}" dt="2024-07-26T16:49:37.571" v="94" actId="207"/>
-          <ac:spMkLst>
-            <pc:docMk/>
-            <pc:sldMk cId="482176988" sldId="278"/>
-            <ac:spMk id="3" creationId="{354D1E93-08D4-7AF9-1B2D-B84F0A60F806}"/>
-          </ac:spMkLst>
-        </pc:spChg>
-      </pc:sldChg>
-    </pc:docChg>
-  </pc:docChgLst>
-  <pc:docChgLst>
-    <pc:chgData name="BOUCADAIR Mohamed INNOV/NET" userId="2acbca90-6db1-4111-98c4-832797dda751" providerId="ADAL" clId="{1EEB1F86-BAF6-41A3-85E7-36693E58AFA4}"/>
-    <pc:docChg chg="undo custSel addSld delSld modSld">
-      <pc:chgData name="BOUCADAIR Mohamed INNOV/NET" userId="2acbca90-6db1-4111-98c4-832797dda751" providerId="ADAL" clId="{1EEB1F86-BAF6-41A3-85E7-36693E58AFA4}" dt="2024-10-30T15:45:21.994" v="991" actId="47"/>
-      <pc:docMkLst>
-        <pc:docMk/>
-      </pc:docMkLst>
-      <pc:sldChg chg="modSp mod">
-        <pc:chgData name="BOUCADAIR Mohamed INNOV/NET" userId="2acbca90-6db1-4111-98c4-832797dda751" providerId="ADAL" clId="{1EEB1F86-BAF6-41A3-85E7-36693E58AFA4}" dt="2024-10-30T15:19:08.888" v="4" actId="20577"/>
-        <pc:sldMkLst>
-          <pc:docMk/>
-          <pc:sldMk cId="0" sldId="256"/>
-        </pc:sldMkLst>
-        <pc:spChg chg="mod">
-          <ac:chgData name="BOUCADAIR Mohamed INNOV/NET" userId="2acbca90-6db1-4111-98c4-832797dda751" providerId="ADAL" clId="{1EEB1F86-BAF6-41A3-85E7-36693E58AFA4}" dt="2024-10-30T15:19:08.888" v="4" actId="20577"/>
-          <ac:spMkLst>
-            <pc:docMk/>
-            <pc:sldMk cId="0" sldId="256"/>
-            <ac:spMk id="100" creationId="{00000000-0000-0000-0000-000000000000}"/>
-          </ac:spMkLst>
-        </pc:spChg>
-      </pc:sldChg>
-      <pc:sldChg chg="modSp mod">
-        <pc:chgData name="BOUCADAIR Mohamed INNOV/NET" userId="2acbca90-6db1-4111-98c4-832797dda751" providerId="ADAL" clId="{1EEB1F86-BAF6-41A3-85E7-36693E58AFA4}" dt="2024-10-30T15:19:16.512" v="5" actId="20577"/>
-        <pc:sldMkLst>
-          <pc:docMk/>
-          <pc:sldMk cId="0" sldId="259"/>
-        </pc:sldMkLst>
-        <pc:spChg chg="mod">
-          <ac:chgData name="BOUCADAIR Mohamed INNOV/NET" userId="2acbca90-6db1-4111-98c4-832797dda751" providerId="ADAL" clId="{1EEB1F86-BAF6-41A3-85E7-36693E58AFA4}" dt="2024-10-30T15:19:16.512" v="5" actId="20577"/>
-          <ac:spMkLst>
-            <pc:docMk/>
-            <pc:sldMk cId="0" sldId="259"/>
-            <ac:spMk id="119" creationId="{00000000-0000-0000-0000-000000000000}"/>
-          </ac:spMkLst>
-        </pc:spChg>
-      </pc:sldChg>
-      <pc:sldChg chg="addSp delSp modSp mod">
-        <pc:chgData name="BOUCADAIR Mohamed INNOV/NET" userId="2acbca90-6db1-4111-98c4-832797dda751" providerId="ADAL" clId="{1EEB1F86-BAF6-41A3-85E7-36693E58AFA4}" dt="2024-10-30T15:22:15.568" v="40" actId="1076"/>
+        <pc:chgData name="BOUCADAIR Mohamed INNOV/NET" userId="2acbca90-6db1-4111-98c4-832797dda751" providerId="ADAL" clId="{B5FFD73F-60BE-4258-B46F-4D5BD7598DBA}" dt="2024-11-04T08:31:00.296" v="3" actId="1076"/>
         <pc:sldMkLst>
           <pc:docMk/>
           <pc:sldMk cId="4281018982" sldId="260"/>
         </pc:sldMkLst>
-        <pc:picChg chg="del">
-          <ac:chgData name="BOUCADAIR Mohamed INNOV/NET" userId="2acbca90-6db1-4111-98c4-832797dda751" providerId="ADAL" clId="{1EEB1F86-BAF6-41A3-85E7-36693E58AFA4}" dt="2024-10-30T15:19:19.938" v="6" actId="478"/>
+        <pc:picChg chg="add mod">
+          <ac:chgData name="BOUCADAIR Mohamed INNOV/NET" userId="2acbca90-6db1-4111-98c4-832797dda751" providerId="ADAL" clId="{B5FFD73F-60BE-4258-B46F-4D5BD7598DBA}" dt="2024-11-04T08:31:00.296" v="3" actId="1076"/>
           <ac:picMkLst>
             <pc:docMk/>
             <pc:sldMk cId="4281018982" sldId="260"/>
-            <ac:picMk id="5" creationId="{E0480E87-A353-DADC-D1B1-AACECF0A1620}"/>
+            <ac:picMk id="5" creationId="{34DA1824-9E9C-1C22-50FF-AF0F0ED64A02}"/>
           </ac:picMkLst>
         </pc:picChg>
-        <pc:picChg chg="add mod">
-          <ac:chgData name="BOUCADAIR Mohamed INNOV/NET" userId="2acbca90-6db1-4111-98c4-832797dda751" providerId="ADAL" clId="{1EEB1F86-BAF6-41A3-85E7-36693E58AFA4}" dt="2024-10-30T15:22:15.568" v="40" actId="1076"/>
+        <pc:picChg chg="del">
+          <ac:chgData name="BOUCADAIR Mohamed INNOV/NET" userId="2acbca90-6db1-4111-98c4-832797dda751" providerId="ADAL" clId="{B5FFD73F-60BE-4258-B46F-4D5BD7598DBA}" dt="2024-11-04T08:30:53.256" v="0" actId="478"/>
           <ac:picMkLst>
             <pc:docMk/>
             <pc:sldMk cId="4281018982" sldId="260"/>
@@ -576,1130 +303,44 @@
           </ac:picMkLst>
         </pc:picChg>
       </pc:sldChg>
-      <pc:sldChg chg="del">
-        <pc:chgData name="BOUCADAIR Mohamed INNOV/NET" userId="2acbca90-6db1-4111-98c4-832797dda751" providerId="ADAL" clId="{1EEB1F86-BAF6-41A3-85E7-36693E58AFA4}" dt="2024-10-30T15:20:16.487" v="10" actId="47"/>
-        <pc:sldMkLst>
-          <pc:docMk/>
-          <pc:sldMk cId="2741112941" sldId="262"/>
-        </pc:sldMkLst>
-      </pc:sldChg>
-      <pc:sldChg chg="del">
-        <pc:chgData name="BOUCADAIR Mohamed INNOV/NET" userId="2acbca90-6db1-4111-98c4-832797dda751" providerId="ADAL" clId="{1EEB1F86-BAF6-41A3-85E7-36693E58AFA4}" dt="2024-10-30T15:20:14.087" v="9" actId="47"/>
-        <pc:sldMkLst>
-          <pc:docMk/>
-          <pc:sldMk cId="19349701" sldId="263"/>
-        </pc:sldMkLst>
-      </pc:sldChg>
-      <pc:sldChg chg="del">
-        <pc:chgData name="BOUCADAIR Mohamed INNOV/NET" userId="2acbca90-6db1-4111-98c4-832797dda751" providerId="ADAL" clId="{1EEB1F86-BAF6-41A3-85E7-36693E58AFA4}" dt="2024-10-30T15:20:19.509" v="11" actId="47"/>
-        <pc:sldMkLst>
-          <pc:docMk/>
-          <pc:sldMk cId="387226972" sldId="265"/>
-        </pc:sldMkLst>
-      </pc:sldChg>
-      <pc:sldChg chg="del">
-        <pc:chgData name="BOUCADAIR Mohamed INNOV/NET" userId="2acbca90-6db1-4111-98c4-832797dda751" providerId="ADAL" clId="{1EEB1F86-BAF6-41A3-85E7-36693E58AFA4}" dt="2024-10-30T15:20:21.044" v="12" actId="47"/>
-        <pc:sldMkLst>
-          <pc:docMk/>
-          <pc:sldMk cId="2598639338" sldId="266"/>
-        </pc:sldMkLst>
-      </pc:sldChg>
-      <pc:sldChg chg="del">
-        <pc:chgData name="BOUCADAIR Mohamed INNOV/NET" userId="2acbca90-6db1-4111-98c4-832797dda751" providerId="ADAL" clId="{1EEB1F86-BAF6-41A3-85E7-36693E58AFA4}" dt="2024-10-30T15:20:22.420" v="13" actId="47"/>
-        <pc:sldMkLst>
-          <pc:docMk/>
-          <pc:sldMk cId="434990054" sldId="267"/>
-        </pc:sldMkLst>
-      </pc:sldChg>
       <pc:sldChg chg="addSp delSp modSp mod">
-        <pc:chgData name="BOUCADAIR Mohamed INNOV/NET" userId="2acbca90-6db1-4111-98c4-832797dda751" providerId="ADAL" clId="{1EEB1F86-BAF6-41A3-85E7-36693E58AFA4}" dt="2024-10-30T15:35:01.761" v="403" actId="20577"/>
-        <pc:sldMkLst>
-          <pc:docMk/>
-          <pc:sldMk cId="2749868532" sldId="268"/>
-        </pc:sldMkLst>
-        <pc:spChg chg="mod">
-          <ac:chgData name="BOUCADAIR Mohamed INNOV/NET" userId="2acbca90-6db1-4111-98c4-832797dda751" providerId="ADAL" clId="{1EEB1F86-BAF6-41A3-85E7-36693E58AFA4}" dt="2024-10-30T15:31:33.328" v="330" actId="6549"/>
-          <ac:spMkLst>
-            <pc:docMk/>
-            <pc:sldMk cId="2749868532" sldId="268"/>
-            <ac:spMk id="9" creationId="{BB4F778F-8939-B422-821F-330027B1D08E}"/>
-          </ac:spMkLst>
-        </pc:spChg>
-        <pc:spChg chg="mod ord">
-          <ac:chgData name="BOUCADAIR Mohamed INNOV/NET" userId="2acbca90-6db1-4111-98c4-832797dda751" providerId="ADAL" clId="{1EEB1F86-BAF6-41A3-85E7-36693E58AFA4}" dt="2024-10-30T15:32:29.546" v="336" actId="166"/>
-          <ac:spMkLst>
-            <pc:docMk/>
-            <pc:sldMk cId="2749868532" sldId="268"/>
-            <ac:spMk id="10" creationId="{6753B80D-E21A-2B6E-F15B-C5F5C28745C1}"/>
-          </ac:spMkLst>
-        </pc:spChg>
-        <pc:spChg chg="mod ord">
-          <ac:chgData name="BOUCADAIR Mohamed INNOV/NET" userId="2acbca90-6db1-4111-98c4-832797dda751" providerId="ADAL" clId="{1EEB1F86-BAF6-41A3-85E7-36693E58AFA4}" dt="2024-10-30T15:30:53.196" v="302" actId="20577"/>
-          <ac:spMkLst>
-            <pc:docMk/>
-            <pc:sldMk cId="2749868532" sldId="268"/>
-            <ac:spMk id="11" creationId="{DC4BF35C-BFF9-5971-37E5-50C2228413AC}"/>
-          </ac:spMkLst>
-        </pc:spChg>
-        <pc:spChg chg="del">
-          <ac:chgData name="BOUCADAIR Mohamed INNOV/NET" userId="2acbca90-6db1-4111-98c4-832797dda751" providerId="ADAL" clId="{1EEB1F86-BAF6-41A3-85E7-36693E58AFA4}" dt="2024-10-30T15:32:23.363" v="334" actId="478"/>
-          <ac:spMkLst>
-            <pc:docMk/>
-            <pc:sldMk cId="2749868532" sldId="268"/>
-            <ac:spMk id="12" creationId="{26A20807-2E93-A134-BAA6-3FCD22B75060}"/>
-          </ac:spMkLst>
-        </pc:spChg>
-        <pc:spChg chg="mod">
-          <ac:chgData name="BOUCADAIR Mohamed INNOV/NET" userId="2acbca90-6db1-4111-98c4-832797dda751" providerId="ADAL" clId="{1EEB1F86-BAF6-41A3-85E7-36693E58AFA4}" dt="2024-10-30T15:35:01.761" v="403" actId="20577"/>
-          <ac:spMkLst>
-            <pc:docMk/>
-            <pc:sldMk cId="2749868532" sldId="268"/>
-            <ac:spMk id="13" creationId="{71AE8C77-12CC-F31F-BC58-52C69B497F3B}"/>
-          </ac:spMkLst>
-        </pc:spChg>
-        <pc:spChg chg="add del mod ord">
-          <ac:chgData name="BOUCADAIR Mohamed INNOV/NET" userId="2acbca90-6db1-4111-98c4-832797dda751" providerId="ADAL" clId="{1EEB1F86-BAF6-41A3-85E7-36693E58AFA4}" dt="2024-10-30T15:30:33.497" v="289" actId="478"/>
-          <ac:spMkLst>
-            <pc:docMk/>
-            <pc:sldMk cId="2749868532" sldId="268"/>
-            <ac:spMk id="14" creationId="{9054F47C-BE09-6B0E-0BCF-D5445129FC77}"/>
-          </ac:spMkLst>
-        </pc:spChg>
-        <pc:spChg chg="add mod ord">
-          <ac:chgData name="BOUCADAIR Mohamed INNOV/NET" userId="2acbca90-6db1-4111-98c4-832797dda751" providerId="ADAL" clId="{1EEB1F86-BAF6-41A3-85E7-36693E58AFA4}" dt="2024-10-30T15:30:58.528" v="303" actId="1076"/>
-          <ac:spMkLst>
-            <pc:docMk/>
-            <pc:sldMk cId="2749868532" sldId="268"/>
-            <ac:spMk id="15" creationId="{3DD9F00C-5E85-94DC-4395-1FC4123BCED2}"/>
-          </ac:spMkLst>
-        </pc:spChg>
-        <pc:spChg chg="add del mod ord">
-          <ac:chgData name="BOUCADAIR Mohamed INNOV/NET" userId="2acbca90-6db1-4111-98c4-832797dda751" providerId="ADAL" clId="{1EEB1F86-BAF6-41A3-85E7-36693E58AFA4}" dt="2024-10-30T15:30:35.641" v="290" actId="478"/>
-          <ac:spMkLst>
-            <pc:docMk/>
-            <pc:sldMk cId="2749868532" sldId="268"/>
-            <ac:spMk id="16" creationId="{C5A147CE-A623-7E7F-FB71-DA1554BBBCFF}"/>
-          </ac:spMkLst>
-        </pc:spChg>
-        <pc:picChg chg="add del mod">
-          <ac:chgData name="BOUCADAIR Mohamed INNOV/NET" userId="2acbca90-6db1-4111-98c4-832797dda751" providerId="ADAL" clId="{1EEB1F86-BAF6-41A3-85E7-36693E58AFA4}" dt="2024-10-30T15:30:11.389" v="282" actId="22"/>
-          <ac:picMkLst>
-            <pc:docMk/>
-            <pc:sldMk cId="2749868532" sldId="268"/>
-            <ac:picMk id="5" creationId="{1B963F9D-BBCB-5402-3373-37F9AA62B788}"/>
-          </ac:picMkLst>
-        </pc:picChg>
-        <pc:picChg chg="add mod">
-          <ac:chgData name="BOUCADAIR Mohamed INNOV/NET" userId="2acbca90-6db1-4111-98c4-832797dda751" providerId="ADAL" clId="{1EEB1F86-BAF6-41A3-85E7-36693E58AFA4}" dt="2024-10-30T15:30:26.285" v="286" actId="1076"/>
-          <ac:picMkLst>
-            <pc:docMk/>
-            <pc:sldMk cId="2749868532" sldId="268"/>
-            <ac:picMk id="7" creationId="{EC6C6AC9-BB9B-ED6A-BAFE-E7BD4A313B5C}"/>
-          </ac:picMkLst>
-        </pc:picChg>
-        <pc:picChg chg="del">
-          <ac:chgData name="BOUCADAIR Mohamed INNOV/NET" userId="2acbca90-6db1-4111-98c4-832797dda751" providerId="ADAL" clId="{1EEB1F86-BAF6-41A3-85E7-36693E58AFA4}" dt="2024-10-30T15:29:55.978" v="276" actId="478"/>
-          <ac:picMkLst>
-            <pc:docMk/>
-            <pc:sldMk cId="2749868532" sldId="268"/>
-            <ac:picMk id="8" creationId="{B09291F4-29A8-006B-DB58-803654E0FABB}"/>
-          </ac:picMkLst>
-        </pc:picChg>
-      </pc:sldChg>
-      <pc:sldChg chg="addSp delSp modSp mod">
-        <pc:chgData name="BOUCADAIR Mohamed INNOV/NET" userId="2acbca90-6db1-4111-98c4-832797dda751" providerId="ADAL" clId="{1EEB1F86-BAF6-41A3-85E7-36693E58AFA4}" dt="2024-10-30T15:28:34.143" v="275" actId="20577"/>
-        <pc:sldMkLst>
-          <pc:docMk/>
-          <pc:sldMk cId="2036077658" sldId="269"/>
-        </pc:sldMkLst>
-        <pc:spChg chg="mod">
-          <ac:chgData name="BOUCADAIR Mohamed INNOV/NET" userId="2acbca90-6db1-4111-98c4-832797dda751" providerId="ADAL" clId="{1EEB1F86-BAF6-41A3-85E7-36693E58AFA4}" dt="2024-10-30T15:28:34.143" v="275" actId="20577"/>
-          <ac:spMkLst>
-            <pc:docMk/>
-            <pc:sldMk cId="2036077658" sldId="269"/>
-            <ac:spMk id="2" creationId="{27E3E189-1149-67C2-5B6B-EAAE3360D398}"/>
-          </ac:spMkLst>
-        </pc:spChg>
-        <pc:spChg chg="del mod ord">
-          <ac:chgData name="BOUCADAIR Mohamed INNOV/NET" userId="2acbca90-6db1-4111-98c4-832797dda751" providerId="ADAL" clId="{1EEB1F86-BAF6-41A3-85E7-36693E58AFA4}" dt="2024-10-30T15:28:29.248" v="265" actId="478"/>
-          <ac:spMkLst>
-            <pc:docMk/>
-            <pc:sldMk cId="2036077658" sldId="269"/>
-            <ac:spMk id="12" creationId="{7149D40D-4212-0A4B-3E03-BFC00136F58E}"/>
-          </ac:spMkLst>
-        </pc:spChg>
-        <pc:spChg chg="del mod ord">
-          <ac:chgData name="BOUCADAIR Mohamed INNOV/NET" userId="2acbca90-6db1-4111-98c4-832797dda751" providerId="ADAL" clId="{1EEB1F86-BAF6-41A3-85E7-36693E58AFA4}" dt="2024-10-30T15:28:27.457" v="264" actId="478"/>
-          <ac:spMkLst>
-            <pc:docMk/>
-            <pc:sldMk cId="2036077658" sldId="269"/>
-            <ac:spMk id="13" creationId="{2DD6D868-10B4-CC3E-4827-0FDCBD37AF7B}"/>
-          </ac:spMkLst>
-        </pc:spChg>
-        <pc:picChg chg="add mod">
-          <ac:chgData name="BOUCADAIR Mohamed INNOV/NET" userId="2acbca90-6db1-4111-98c4-832797dda751" providerId="ADAL" clId="{1EEB1F86-BAF6-41A3-85E7-36693E58AFA4}" dt="2024-10-30T15:26:12.022" v="92" actId="1076"/>
-          <ac:picMkLst>
-            <pc:docMk/>
-            <pc:sldMk cId="2036077658" sldId="269"/>
-            <ac:picMk id="5" creationId="{1E804E4E-52ED-DCB4-EAF2-DF95BB23CDFD}"/>
-          </ac:picMkLst>
-        </pc:picChg>
-        <pc:picChg chg="del">
-          <ac:chgData name="BOUCADAIR Mohamed INNOV/NET" userId="2acbca90-6db1-4111-98c4-832797dda751" providerId="ADAL" clId="{1EEB1F86-BAF6-41A3-85E7-36693E58AFA4}" dt="2024-10-30T15:25:53.758" v="85" actId="478"/>
-          <ac:picMkLst>
-            <pc:docMk/>
-            <pc:sldMk cId="2036077658" sldId="269"/>
-            <ac:picMk id="8" creationId="{38D51956-00D8-04E4-45F8-6C5F18AA5497}"/>
-          </ac:picMkLst>
-        </pc:picChg>
-      </pc:sldChg>
-      <pc:sldChg chg="del">
-        <pc:chgData name="BOUCADAIR Mohamed INNOV/NET" userId="2acbca90-6db1-4111-98c4-832797dda751" providerId="ADAL" clId="{1EEB1F86-BAF6-41A3-85E7-36693E58AFA4}" dt="2024-10-30T15:19:46.704" v="7" actId="47"/>
-        <pc:sldMkLst>
-          <pc:docMk/>
-          <pc:sldMk cId="3664032414" sldId="270"/>
-        </pc:sldMkLst>
-      </pc:sldChg>
-      <pc:sldChg chg="addSp delSp modSp mod">
-        <pc:chgData name="BOUCADAIR Mohamed INNOV/NET" userId="2acbca90-6db1-4111-98c4-832797dda751" providerId="ADAL" clId="{1EEB1F86-BAF6-41A3-85E7-36693E58AFA4}" dt="2024-10-30T15:42:31.106" v="977" actId="14100"/>
+        <pc:chgData name="BOUCADAIR Mohamed INNOV/NET" userId="2acbca90-6db1-4111-98c4-832797dda751" providerId="ADAL" clId="{B5FFD73F-60BE-4258-B46F-4D5BD7598DBA}" dt="2024-11-04T08:32:57.346" v="27" actId="1035"/>
         <pc:sldMkLst>
           <pc:docMk/>
           <pc:sldMk cId="513082138" sldId="271"/>
         </pc:sldMkLst>
-        <pc:spChg chg="add del mod ord">
-          <ac:chgData name="BOUCADAIR Mohamed INNOV/NET" userId="2acbca90-6db1-4111-98c4-832797dda751" providerId="ADAL" clId="{1EEB1F86-BAF6-41A3-85E7-36693E58AFA4}" dt="2024-10-30T15:42:28.440" v="976" actId="14100"/>
+        <pc:spChg chg="mod">
+          <ac:chgData name="BOUCADAIR Mohamed INNOV/NET" userId="2acbca90-6db1-4111-98c4-832797dda751" providerId="ADAL" clId="{B5FFD73F-60BE-4258-B46F-4D5BD7598DBA}" dt="2024-11-04T08:32:46.974" v="16" actId="14100"/>
           <ac:spMkLst>
             <pc:docMk/>
             <pc:sldMk cId="513082138" sldId="271"/>
             <ac:spMk id="8" creationId="{5DFD05E8-7913-434C-25CA-289688FED3CE}"/>
           </ac:spMkLst>
         </pc:spChg>
-        <pc:spChg chg="add del mod ord">
-          <ac:chgData name="BOUCADAIR Mohamed INNOV/NET" userId="2acbca90-6db1-4111-98c4-832797dda751" providerId="ADAL" clId="{1EEB1F86-BAF6-41A3-85E7-36693E58AFA4}" dt="2024-10-30T15:42:31.106" v="977" actId="14100"/>
+        <pc:spChg chg="mod">
+          <ac:chgData name="BOUCADAIR Mohamed INNOV/NET" userId="2acbca90-6db1-4111-98c4-832797dda751" providerId="ADAL" clId="{B5FFD73F-60BE-4258-B46F-4D5BD7598DBA}" dt="2024-11-04T08:32:57.346" v="27" actId="1035"/>
           <ac:spMkLst>
             <pc:docMk/>
             <pc:sldMk cId="513082138" sldId="271"/>
             <ac:spMk id="9" creationId="{2328023F-1C93-51F0-A761-742333E90631}"/>
           </ac:spMkLst>
         </pc:spChg>
-        <pc:picChg chg="del">
-          <ac:chgData name="BOUCADAIR Mohamed INNOV/NET" userId="2acbca90-6db1-4111-98c4-832797dda751" providerId="ADAL" clId="{1EEB1F86-BAF6-41A3-85E7-36693E58AFA4}" dt="2024-10-30T15:23:03.338" v="41" actId="478"/>
+        <pc:picChg chg="add mod ord">
+          <ac:chgData name="BOUCADAIR Mohamed INNOV/NET" userId="2acbca90-6db1-4111-98c4-832797dda751" providerId="ADAL" clId="{B5FFD73F-60BE-4258-B46F-4D5BD7598DBA}" dt="2024-11-04T08:32:20.358" v="11" actId="167"/>
           <ac:picMkLst>
             <pc:docMk/>
             <pc:sldMk cId="513082138" sldId="271"/>
-            <ac:picMk id="5" creationId="{AF5338B3-82EF-B6E1-3E64-A69B18A3C63B}"/>
+            <ac:picMk id="5" creationId="{18DB53E0-AA50-4FEC-C7B4-0F666B9D26D2}"/>
           </ac:picMkLst>
         </pc:picChg>
-        <pc:picChg chg="add mod">
-          <ac:chgData name="BOUCADAIR Mohamed INNOV/NET" userId="2acbca90-6db1-4111-98c4-832797dda751" providerId="ADAL" clId="{1EEB1F86-BAF6-41A3-85E7-36693E58AFA4}" dt="2024-10-30T15:23:15.666" v="47" actId="1076"/>
+        <pc:picChg chg="del">
+          <ac:chgData name="BOUCADAIR Mohamed INNOV/NET" userId="2acbca90-6db1-4111-98c4-832797dda751" providerId="ADAL" clId="{B5FFD73F-60BE-4258-B46F-4D5BD7598DBA}" dt="2024-11-04T08:32:07.033" v="6" actId="478"/>
           <ac:picMkLst>
             <pc:docMk/>
             <pc:sldMk cId="513082138" sldId="271"/>
             <ac:picMk id="6" creationId="{C2ABB0FD-76BC-3E1C-F109-857EDF300782}"/>
           </ac:picMkLst>
         </pc:picChg>
-      </pc:sldChg>
-      <pc:sldChg chg="del">
-        <pc:chgData name="BOUCADAIR Mohamed INNOV/NET" userId="2acbca90-6db1-4111-98c4-832797dda751" providerId="ADAL" clId="{1EEB1F86-BAF6-41A3-85E7-36693E58AFA4}" dt="2024-10-30T15:20:05.169" v="8" actId="47"/>
-        <pc:sldMkLst>
-          <pc:docMk/>
-          <pc:sldMk cId="242484776" sldId="272"/>
-        </pc:sldMkLst>
-      </pc:sldChg>
-      <pc:sldChg chg="del">
-        <pc:chgData name="BOUCADAIR Mohamed INNOV/NET" userId="2acbca90-6db1-4111-98c4-832797dda751" providerId="ADAL" clId="{1EEB1F86-BAF6-41A3-85E7-36693E58AFA4}" dt="2024-10-30T15:31:52.996" v="331" actId="47"/>
-        <pc:sldMkLst>
-          <pc:docMk/>
-          <pc:sldMk cId="514278596" sldId="274"/>
-        </pc:sldMkLst>
-      </pc:sldChg>
-      <pc:sldChg chg="new del">
-        <pc:chgData name="BOUCADAIR Mohamed INNOV/NET" userId="2acbca90-6db1-4111-98c4-832797dda751" providerId="ADAL" clId="{1EEB1F86-BAF6-41A3-85E7-36693E58AFA4}" dt="2024-10-30T15:32:16.440" v="333" actId="47"/>
-        <pc:sldMkLst>
-          <pc:docMk/>
-          <pc:sldMk cId="2691099497" sldId="274"/>
-        </pc:sldMkLst>
-      </pc:sldChg>
-      <pc:sldChg chg="addSp delSp modSp new mod">
-        <pc:chgData name="BOUCADAIR Mohamed INNOV/NET" userId="2acbca90-6db1-4111-98c4-832797dda751" providerId="ADAL" clId="{1EEB1F86-BAF6-41A3-85E7-36693E58AFA4}" dt="2024-10-30T15:43:13.096" v="984" actId="20577"/>
-        <pc:sldMkLst>
-          <pc:docMk/>
-          <pc:sldMk cId="3308386237" sldId="274"/>
-        </pc:sldMkLst>
-        <pc:spChg chg="mod">
-          <ac:chgData name="BOUCADAIR Mohamed INNOV/NET" userId="2acbca90-6db1-4111-98c4-832797dda751" providerId="ADAL" clId="{1EEB1F86-BAF6-41A3-85E7-36693E58AFA4}" dt="2024-10-30T15:37:18.702" v="655" actId="20577"/>
-          <ac:spMkLst>
-            <pc:docMk/>
-            <pc:sldMk cId="3308386237" sldId="274"/>
-            <ac:spMk id="2" creationId="{86E3EB4F-098F-A65E-AA63-DEDE137D69CA}"/>
-          </ac:spMkLst>
-        </pc:spChg>
-        <pc:spChg chg="del">
-          <ac:chgData name="BOUCADAIR Mohamed INNOV/NET" userId="2acbca90-6db1-4111-98c4-832797dda751" providerId="ADAL" clId="{1EEB1F86-BAF6-41A3-85E7-36693E58AFA4}" dt="2024-10-30T15:34:16.072" v="340" actId="478"/>
-          <ac:spMkLst>
-            <pc:docMk/>
-            <pc:sldMk cId="3308386237" sldId="274"/>
-            <ac:spMk id="3" creationId="{BB4FEE04-EABA-2109-1D1D-763D4A4FE463}"/>
-          </ac:spMkLst>
-        </pc:spChg>
-        <pc:spChg chg="add mod">
-          <ac:chgData name="BOUCADAIR Mohamed INNOV/NET" userId="2acbca90-6db1-4111-98c4-832797dda751" providerId="ADAL" clId="{1EEB1F86-BAF6-41A3-85E7-36693E58AFA4}" dt="2024-10-30T15:34:27.066" v="343" actId="1076"/>
-          <ac:spMkLst>
-            <pc:docMk/>
-            <pc:sldMk cId="3308386237" sldId="274"/>
-            <ac:spMk id="5" creationId="{FF0A6789-5EA2-67E5-3A6F-BF9B31D542F1}"/>
-          </ac:spMkLst>
-        </pc:spChg>
-        <pc:spChg chg="add mod">
-          <ac:chgData name="BOUCADAIR Mohamed INNOV/NET" userId="2acbca90-6db1-4111-98c4-832797dda751" providerId="ADAL" clId="{1EEB1F86-BAF6-41A3-85E7-36693E58AFA4}" dt="2024-10-30T15:43:13.096" v="984" actId="20577"/>
-          <ac:spMkLst>
-            <pc:docMk/>
-            <pc:sldMk cId="3308386237" sldId="274"/>
-            <ac:spMk id="6" creationId="{F76B5647-B4C5-64F4-9864-44722D06BC9E}"/>
-          </ac:spMkLst>
-        </pc:spChg>
-      </pc:sldChg>
-      <pc:sldChg chg="del">
-        <pc:chgData name="BOUCADAIR Mohamed INNOV/NET" userId="2acbca90-6db1-4111-98c4-832797dda751" providerId="ADAL" clId="{1EEB1F86-BAF6-41A3-85E7-36693E58AFA4}" dt="2024-10-30T15:20:24.187" v="14" actId="47"/>
-        <pc:sldMkLst>
-          <pc:docMk/>
-          <pc:sldMk cId="2021719538" sldId="275"/>
-        </pc:sldMkLst>
-      </pc:sldChg>
-      <pc:sldChg chg="modSp add del mod">
-        <pc:chgData name="BOUCADAIR Mohamed INNOV/NET" userId="2acbca90-6db1-4111-98c4-832797dda751" providerId="ADAL" clId="{1EEB1F86-BAF6-41A3-85E7-36693E58AFA4}" dt="2024-10-30T15:35:24.211" v="428" actId="47"/>
-        <pc:sldMkLst>
-          <pc:docMk/>
-          <pc:sldMk cId="2601065442" sldId="275"/>
-        </pc:sldMkLst>
-        <pc:spChg chg="mod">
-          <ac:chgData name="BOUCADAIR Mohamed INNOV/NET" userId="2acbca90-6db1-4111-98c4-832797dda751" providerId="ADAL" clId="{1EEB1F86-BAF6-41A3-85E7-36693E58AFA4}" dt="2024-10-30T15:34:00.387" v="339" actId="27636"/>
-          <ac:spMkLst>
-            <pc:docMk/>
-            <pc:sldMk cId="2601065442" sldId="275"/>
-            <ac:spMk id="3" creationId="{B8345207-BDBE-AF83-E8EA-8C82846513FC}"/>
-          </ac:spMkLst>
-        </pc:spChg>
-      </pc:sldChg>
-      <pc:sldChg chg="addSp delSp modSp new mod">
-        <pc:chgData name="BOUCADAIR Mohamed INNOV/NET" userId="2acbca90-6db1-4111-98c4-832797dda751" providerId="ADAL" clId="{1EEB1F86-BAF6-41A3-85E7-36693E58AFA4}" dt="2024-10-30T15:39:49.710" v="952" actId="20577"/>
-        <pc:sldMkLst>
-          <pc:docMk/>
-          <pc:sldMk cId="3113546794" sldId="275"/>
-        </pc:sldMkLst>
-        <pc:spChg chg="mod">
-          <ac:chgData name="BOUCADAIR Mohamed INNOV/NET" userId="2acbca90-6db1-4111-98c4-832797dda751" providerId="ADAL" clId="{1EEB1F86-BAF6-41A3-85E7-36693E58AFA4}" dt="2024-10-30T15:37:24.952" v="666" actId="20577"/>
-          <ac:spMkLst>
-            <pc:docMk/>
-            <pc:sldMk cId="3113546794" sldId="275"/>
-            <ac:spMk id="2" creationId="{A99D7181-686F-1FF2-7D21-E4E425C82C7F}"/>
-          </ac:spMkLst>
-        </pc:spChg>
-        <pc:spChg chg="del">
-          <ac:chgData name="BOUCADAIR Mohamed INNOV/NET" userId="2acbca90-6db1-4111-98c4-832797dda751" providerId="ADAL" clId="{1EEB1F86-BAF6-41A3-85E7-36693E58AFA4}" dt="2024-10-30T15:37:40.819" v="669" actId="478"/>
-          <ac:spMkLst>
-            <pc:docMk/>
-            <pc:sldMk cId="3113546794" sldId="275"/>
-            <ac:spMk id="3" creationId="{F1A05DD1-69EE-7D17-09E2-43F6809CDC39}"/>
-          </ac:spMkLst>
-        </pc:spChg>
-        <pc:spChg chg="add mod">
-          <ac:chgData name="BOUCADAIR Mohamed INNOV/NET" userId="2acbca90-6db1-4111-98c4-832797dda751" providerId="ADAL" clId="{1EEB1F86-BAF6-41A3-85E7-36693E58AFA4}" dt="2024-10-30T15:37:46.490" v="673" actId="1076"/>
-          <ac:spMkLst>
-            <pc:docMk/>
-            <pc:sldMk cId="3113546794" sldId="275"/>
-            <ac:spMk id="5" creationId="{29D28CAD-5712-6867-594C-370D0BAD2061}"/>
-          </ac:spMkLst>
-        </pc:spChg>
-        <pc:spChg chg="add mod">
-          <ac:chgData name="BOUCADAIR Mohamed INNOV/NET" userId="2acbca90-6db1-4111-98c4-832797dda751" providerId="ADAL" clId="{1EEB1F86-BAF6-41A3-85E7-36693E58AFA4}" dt="2024-10-30T15:39:49.710" v="952" actId="20577"/>
-          <ac:spMkLst>
-            <pc:docMk/>
-            <pc:sldMk cId="3113546794" sldId="275"/>
-            <ac:spMk id="6" creationId="{EC84E110-CA2C-B8EC-D101-104DD975D5D8}"/>
-          </ac:spMkLst>
-        </pc:spChg>
-      </pc:sldChg>
-      <pc:sldChg chg="modSp add del mod">
-        <pc:chgData name="BOUCADAIR Mohamed INNOV/NET" userId="2acbca90-6db1-4111-98c4-832797dda751" providerId="ADAL" clId="{1EEB1F86-BAF6-41A3-85E7-36693E58AFA4}" dt="2024-10-30T15:37:50.142" v="674" actId="47"/>
-        <pc:sldMkLst>
-          <pc:docMk/>
-          <pc:sldMk cId="557210632" sldId="276"/>
-        </pc:sldMkLst>
-        <pc:spChg chg="mod">
-          <ac:chgData name="BOUCADAIR Mohamed INNOV/NET" userId="2acbca90-6db1-4111-98c4-832797dda751" providerId="ADAL" clId="{1EEB1F86-BAF6-41A3-85E7-36693E58AFA4}" dt="2024-10-30T15:37:34.461" v="668" actId="27636"/>
-          <ac:spMkLst>
-            <pc:docMk/>
-            <pc:sldMk cId="557210632" sldId="276"/>
-            <ac:spMk id="3" creationId="{6CEC9029-50EB-0DF2-FC29-7C9DE1B5CCD8}"/>
-          </ac:spMkLst>
-        </pc:spChg>
-      </pc:sldChg>
-      <pc:sldChg chg="addSp delSp modSp new del mod">
-        <pc:chgData name="BOUCADAIR Mohamed INNOV/NET" userId="2acbca90-6db1-4111-98c4-832797dda751" providerId="ADAL" clId="{1EEB1F86-BAF6-41A3-85E7-36693E58AFA4}" dt="2024-10-30T15:45:21.994" v="991" actId="47"/>
-        <pc:sldMkLst>
-          <pc:docMk/>
-          <pc:sldMk cId="786761351" sldId="276"/>
-        </pc:sldMkLst>
-        <pc:spChg chg="del">
-          <ac:chgData name="BOUCADAIR Mohamed INNOV/NET" userId="2acbca90-6db1-4111-98c4-832797dda751" providerId="ADAL" clId="{1EEB1F86-BAF6-41A3-85E7-36693E58AFA4}" dt="2024-10-30T15:45:08.227" v="986" actId="478"/>
-          <ac:spMkLst>
-            <pc:docMk/>
-            <pc:sldMk cId="786761351" sldId="276"/>
-            <ac:spMk id="3" creationId="{152EF1CD-E29A-4AC0-3D3A-5785B4A2DE7B}"/>
-          </ac:spMkLst>
-        </pc:spChg>
-        <pc:picChg chg="add mod">
-          <ac:chgData name="BOUCADAIR Mohamed INNOV/NET" userId="2acbca90-6db1-4111-98c4-832797dda751" providerId="ADAL" clId="{1EEB1F86-BAF6-41A3-85E7-36693E58AFA4}" dt="2024-10-30T15:45:15.905" v="990" actId="14100"/>
-          <ac:picMkLst>
-            <pc:docMk/>
-            <pc:sldMk cId="786761351" sldId="276"/>
-            <ac:picMk id="6" creationId="{86082266-F6CD-26A4-B6A6-BAE7CB59ABAE}"/>
-          </ac:picMkLst>
-        </pc:picChg>
-      </pc:sldChg>
-      <pc:sldChg chg="modSp del mod">
-        <pc:chgData name="BOUCADAIR Mohamed INNOV/NET" userId="2acbca90-6db1-4111-98c4-832797dda751" providerId="ADAL" clId="{1EEB1F86-BAF6-41A3-85E7-36693E58AFA4}" dt="2024-10-30T15:21:25.003" v="37" actId="47"/>
-        <pc:sldMkLst>
-          <pc:docMk/>
-          <pc:sldMk cId="1594230437" sldId="276"/>
-        </pc:sldMkLst>
-        <pc:spChg chg="mod">
-          <ac:chgData name="BOUCADAIR Mohamed INNOV/NET" userId="2acbca90-6db1-4111-98c4-832797dda751" providerId="ADAL" clId="{1EEB1F86-BAF6-41A3-85E7-36693E58AFA4}" dt="2024-10-30T15:21:03.220" v="30" actId="5793"/>
-          <ac:spMkLst>
-            <pc:docMk/>
-            <pc:sldMk cId="1594230437" sldId="276"/>
-            <ac:spMk id="3" creationId="{9C2E9E4F-D2DD-BA7E-1A8C-6271BFE87061}"/>
-          </ac:spMkLst>
-        </pc:spChg>
-      </pc:sldChg>
-      <pc:sldChg chg="modSp del mod">
-        <pc:chgData name="BOUCADAIR Mohamed INNOV/NET" userId="2acbca90-6db1-4111-98c4-832797dda751" providerId="ADAL" clId="{1EEB1F86-BAF6-41A3-85E7-36693E58AFA4}" dt="2024-10-30T15:21:23.619" v="36" actId="47"/>
-        <pc:sldMkLst>
-          <pc:docMk/>
-          <pc:sldMk cId="1522662956" sldId="277"/>
-        </pc:sldMkLst>
-        <pc:spChg chg="mod">
-          <ac:chgData name="BOUCADAIR Mohamed INNOV/NET" userId="2acbca90-6db1-4111-98c4-832797dda751" providerId="ADAL" clId="{1EEB1F86-BAF6-41A3-85E7-36693E58AFA4}" dt="2024-10-30T15:21:09.570" v="34" actId="5793"/>
-          <ac:spMkLst>
-            <pc:docMk/>
-            <pc:sldMk cId="1522662956" sldId="277"/>
-            <ac:spMk id="3" creationId="{02F0270B-B543-0040-43B9-7A918D540129}"/>
-          </ac:spMkLst>
-        </pc:spChg>
-      </pc:sldChg>
-      <pc:sldChg chg="del">
-        <pc:chgData name="BOUCADAIR Mohamed INNOV/NET" userId="2acbca90-6db1-4111-98c4-832797dda751" providerId="ADAL" clId="{1EEB1F86-BAF6-41A3-85E7-36693E58AFA4}" dt="2024-10-30T15:21:22.657" v="35" actId="47"/>
-        <pc:sldMkLst>
-          <pc:docMk/>
-          <pc:sldMk cId="482176988" sldId="278"/>
-        </pc:sldMkLst>
-      </pc:sldChg>
-      <pc:sldMasterChg chg="delSldLayout">
-        <pc:chgData name="BOUCADAIR Mohamed INNOV/NET" userId="2acbca90-6db1-4111-98c4-832797dda751" providerId="ADAL" clId="{1EEB1F86-BAF6-41A3-85E7-36693E58AFA4}" dt="2024-10-30T15:37:50.142" v="674" actId="47"/>
-        <pc:sldMasterMkLst>
-          <pc:docMk/>
-          <pc:sldMasterMk cId="0" sldId="2147483664"/>
-        </pc:sldMasterMkLst>
-        <pc:sldLayoutChg chg="del">
-          <pc:chgData name="BOUCADAIR Mohamed INNOV/NET" userId="2acbca90-6db1-4111-98c4-832797dda751" providerId="ADAL" clId="{1EEB1F86-BAF6-41A3-85E7-36693E58AFA4}" dt="2024-10-30T15:37:50.142" v="674" actId="47"/>
-          <pc:sldLayoutMkLst>
-            <pc:docMk/>
-            <pc:sldMasterMk cId="0" sldId="2147483664"/>
-            <pc:sldLayoutMk cId="1510756055" sldId="2147483666"/>
-          </pc:sldLayoutMkLst>
-        </pc:sldLayoutChg>
-        <pc:sldLayoutChg chg="del">
-          <pc:chgData name="BOUCADAIR Mohamed INNOV/NET" userId="2acbca90-6db1-4111-98c4-832797dda751" providerId="ADAL" clId="{1EEB1F86-BAF6-41A3-85E7-36693E58AFA4}" dt="2024-10-30T15:35:24.211" v="428" actId="47"/>
-          <pc:sldLayoutMkLst>
-            <pc:docMk/>
-            <pc:sldMasterMk cId="0" sldId="2147483664"/>
-            <pc:sldLayoutMk cId="1842375528" sldId="2147483666"/>
-          </pc:sldLayoutMkLst>
-        </pc:sldLayoutChg>
-      </pc:sldMasterChg>
-    </pc:docChg>
-  </pc:docChgLst>
-  <pc:docChgLst>
-    <pc:chgData name="BOUCADAIR Mohamed INNOV/NET" userId="2acbca90-6db1-4111-98c4-832797dda751" providerId="ADAL" clId="{D2F81640-DBF7-4596-A85C-8BBE2BAACBF2}"/>
-    <pc:docChg chg="custSel modSld">
-      <pc:chgData name="BOUCADAIR Mohamed INNOV/NET" userId="2acbca90-6db1-4111-98c4-832797dda751" providerId="ADAL" clId="{D2F81640-DBF7-4596-A85C-8BBE2BAACBF2}" dt="2024-07-16T10:18:13.267" v="236" actId="20577"/>
-      <pc:docMkLst>
-        <pc:docMk/>
-      </pc:docMkLst>
-      <pc:sldChg chg="addSp delSp modSp mod">
-        <pc:chgData name="BOUCADAIR Mohamed INNOV/NET" userId="2acbca90-6db1-4111-98c4-832797dda751" providerId="ADAL" clId="{D2F81640-DBF7-4596-A85C-8BBE2BAACBF2}" dt="2024-07-16T10:15:03.546" v="116" actId="207"/>
-        <pc:sldMkLst>
-          <pc:docMk/>
-          <pc:sldMk cId="19349701" sldId="263"/>
-        </pc:sldMkLst>
-        <pc:spChg chg="mod">
-          <ac:chgData name="BOUCADAIR Mohamed INNOV/NET" userId="2acbca90-6db1-4111-98c4-832797dda751" providerId="ADAL" clId="{D2F81640-DBF7-4596-A85C-8BBE2BAACBF2}" dt="2024-07-16T10:13:55.185" v="81" actId="1076"/>
-          <ac:spMkLst>
-            <pc:docMk/>
-            <pc:sldMk cId="19349701" sldId="263"/>
-            <ac:spMk id="3" creationId="{83D20BE9-2246-7E23-23A9-3B3575F16427}"/>
-          </ac:spMkLst>
-        </pc:spChg>
-        <pc:spChg chg="add del mod">
-          <ac:chgData name="BOUCADAIR Mohamed INNOV/NET" userId="2acbca90-6db1-4111-98c4-832797dda751" providerId="ADAL" clId="{D2F81640-DBF7-4596-A85C-8BBE2BAACBF2}" dt="2024-07-16T10:12:38.365" v="43" actId="478"/>
-          <ac:spMkLst>
-            <pc:docMk/>
-            <pc:sldMk cId="19349701" sldId="263"/>
-            <ac:spMk id="5" creationId="{D704E20F-8DE7-83C2-C8DB-53E580978B4E}"/>
-          </ac:spMkLst>
-        </pc:spChg>
-        <pc:spChg chg="add mod">
-          <ac:chgData name="BOUCADAIR Mohamed INNOV/NET" userId="2acbca90-6db1-4111-98c4-832797dda751" providerId="ADAL" clId="{D2F81640-DBF7-4596-A85C-8BBE2BAACBF2}" dt="2024-07-16T10:14:40.571" v="113" actId="207"/>
-          <ac:spMkLst>
-            <pc:docMk/>
-            <pc:sldMk cId="19349701" sldId="263"/>
-            <ac:spMk id="6" creationId="{BCA2001A-51BF-45CB-C2B7-BB9B0CA4A33D}"/>
-          </ac:spMkLst>
-        </pc:spChg>
-        <pc:spChg chg="add mod ord">
-          <ac:chgData name="BOUCADAIR Mohamed INNOV/NET" userId="2acbca90-6db1-4111-98c4-832797dda751" providerId="ADAL" clId="{D2F81640-DBF7-4596-A85C-8BBE2BAACBF2}" dt="2024-07-16T10:14:05.825" v="108" actId="1037"/>
-          <ac:spMkLst>
-            <pc:docMk/>
-            <pc:sldMk cId="19349701" sldId="263"/>
-            <ac:spMk id="7" creationId="{2B7E25EF-AEAB-D46F-394B-F805E54DA742}"/>
-          </ac:spMkLst>
-        </pc:spChg>
-        <pc:spChg chg="add mod">
-          <ac:chgData name="BOUCADAIR Mohamed INNOV/NET" userId="2acbca90-6db1-4111-98c4-832797dda751" providerId="ADAL" clId="{D2F81640-DBF7-4596-A85C-8BBE2BAACBF2}" dt="2024-07-16T10:15:03.546" v="116" actId="207"/>
-          <ac:spMkLst>
-            <pc:docMk/>
-            <pc:sldMk cId="19349701" sldId="263"/>
-            <ac:spMk id="8" creationId="{43CBEF85-868C-DB6D-8E15-BC44095515A0}"/>
-          </ac:spMkLst>
-        </pc:spChg>
-      </pc:sldChg>
-      <pc:sldChg chg="addSp delSp modSp mod">
-        <pc:chgData name="BOUCADAIR Mohamed INNOV/NET" userId="2acbca90-6db1-4111-98c4-832797dda751" providerId="ADAL" clId="{D2F81640-DBF7-4596-A85C-8BBE2BAACBF2}" dt="2024-07-16T10:18:13.267" v="236" actId="20577"/>
-        <pc:sldMkLst>
-          <pc:docMk/>
-          <pc:sldMk cId="514278596" sldId="274"/>
-        </pc:sldMkLst>
-        <pc:spChg chg="mod">
-          <ac:chgData name="BOUCADAIR Mohamed INNOV/NET" userId="2acbca90-6db1-4111-98c4-832797dda751" providerId="ADAL" clId="{D2F81640-DBF7-4596-A85C-8BBE2BAACBF2}" dt="2024-07-16T10:18:13.267" v="236" actId="20577"/>
-          <ac:spMkLst>
-            <pc:docMk/>
-            <pc:sldMk cId="514278596" sldId="274"/>
-            <ac:spMk id="5" creationId="{3856129A-94B9-0425-E3E2-66E6DE494147}"/>
-          </ac:spMkLst>
-        </pc:spChg>
-        <pc:spChg chg="add del mod">
-          <ac:chgData name="BOUCADAIR Mohamed INNOV/NET" userId="2acbca90-6db1-4111-98c4-832797dda751" providerId="ADAL" clId="{D2F81640-DBF7-4596-A85C-8BBE2BAACBF2}" dt="2024-07-16T10:17:47.377" v="230" actId="478"/>
-          <ac:spMkLst>
-            <pc:docMk/>
-            <pc:sldMk cId="514278596" sldId="274"/>
-            <ac:spMk id="6" creationId="{2AF546A0-30B2-8592-4398-B35176E22E58}"/>
-          </ac:spMkLst>
-        </pc:spChg>
-        <pc:spChg chg="add del mod">
-          <ac:chgData name="BOUCADAIR Mohamed INNOV/NET" userId="2acbca90-6db1-4111-98c4-832797dda751" providerId="ADAL" clId="{D2F81640-DBF7-4596-A85C-8BBE2BAACBF2}" dt="2024-07-16T10:17:49.657" v="231" actId="478"/>
-          <ac:spMkLst>
-            <pc:docMk/>
-            <pc:sldMk cId="514278596" sldId="274"/>
-            <ac:spMk id="7" creationId="{DCD64453-FCEB-586A-5A4E-B232DB3AEA38}"/>
-          </ac:spMkLst>
-        </pc:spChg>
-      </pc:sldChg>
-    </pc:docChg>
-  </pc:docChgLst>
-  <pc:docChgLst>
-    <pc:chgData name="BOUCADAIR Mohamed INNOV/NET" userId="2acbca90-6db1-4111-98c4-832797dda751" providerId="ADAL" clId="{04B23A7E-399E-471A-AF15-99BD7BD17AB6}"/>
-    <pc:docChg chg="undo custSel addSld delSld modSld">
-      <pc:chgData name="BOUCADAIR Mohamed INNOV/NET" userId="2acbca90-6db1-4111-98c4-832797dda751" providerId="ADAL" clId="{04B23A7E-399E-471A-AF15-99BD7BD17AB6}" dt="2024-07-09T13:46:20.950" v="2122" actId="1076"/>
-      <pc:docMkLst>
-        <pc:docMk/>
-      </pc:docMkLst>
-      <pc:sldChg chg="modSp mod">
-        <pc:chgData name="BOUCADAIR Mohamed INNOV/NET" userId="2acbca90-6db1-4111-98c4-832797dda751" providerId="ADAL" clId="{04B23A7E-399E-471A-AF15-99BD7BD17AB6}" dt="2024-07-09T13:04:02.806" v="15" actId="20577"/>
-        <pc:sldMkLst>
-          <pc:docMk/>
-          <pc:sldMk cId="0" sldId="256"/>
-        </pc:sldMkLst>
-        <pc:spChg chg="mod">
-          <ac:chgData name="BOUCADAIR Mohamed INNOV/NET" userId="2acbca90-6db1-4111-98c4-832797dda751" providerId="ADAL" clId="{04B23A7E-399E-471A-AF15-99BD7BD17AB6}" dt="2024-07-09T13:04:02.806" v="15" actId="20577"/>
-          <ac:spMkLst>
-            <pc:docMk/>
-            <pc:sldMk cId="0" sldId="256"/>
-            <ac:spMk id="100" creationId="{00000000-0000-0000-0000-000000000000}"/>
-          </ac:spMkLst>
-        </pc:spChg>
-      </pc:sldChg>
-      <pc:sldChg chg="modSp mod">
-        <pc:chgData name="BOUCADAIR Mohamed INNOV/NET" userId="2acbca90-6db1-4111-98c4-832797dda751" providerId="ADAL" clId="{04B23A7E-399E-471A-AF15-99BD7BD17AB6}" dt="2024-07-09T13:01:30.203" v="5" actId="20577"/>
-        <pc:sldMkLst>
-          <pc:docMk/>
-          <pc:sldMk cId="0" sldId="259"/>
-        </pc:sldMkLst>
-        <pc:spChg chg="mod">
-          <ac:chgData name="BOUCADAIR Mohamed INNOV/NET" userId="2acbca90-6db1-4111-98c4-832797dda751" providerId="ADAL" clId="{04B23A7E-399E-471A-AF15-99BD7BD17AB6}" dt="2024-07-09T13:01:30.203" v="5" actId="20577"/>
-          <ac:spMkLst>
-            <pc:docMk/>
-            <pc:sldMk cId="0" sldId="259"/>
-            <ac:spMk id="119" creationId="{00000000-0000-0000-0000-000000000000}"/>
-          </ac:spMkLst>
-        </pc:spChg>
-      </pc:sldChg>
-      <pc:sldChg chg="addSp delSp modSp mod">
-        <pc:chgData name="BOUCADAIR Mohamed INNOV/NET" userId="2acbca90-6db1-4111-98c4-832797dda751" providerId="ADAL" clId="{04B23A7E-399E-471A-AF15-99BD7BD17AB6}" dt="2024-07-09T13:03:44.576" v="13" actId="1076"/>
-        <pc:sldMkLst>
-          <pc:docMk/>
-          <pc:sldMk cId="4281018982" sldId="260"/>
-        </pc:sldMkLst>
-        <pc:picChg chg="add mod">
-          <ac:chgData name="BOUCADAIR Mohamed INNOV/NET" userId="2acbca90-6db1-4111-98c4-832797dda751" providerId="ADAL" clId="{04B23A7E-399E-471A-AF15-99BD7BD17AB6}" dt="2024-07-09T13:03:44.576" v="13" actId="1076"/>
-          <ac:picMkLst>
-            <pc:docMk/>
-            <pc:sldMk cId="4281018982" sldId="260"/>
-            <ac:picMk id="5" creationId="{E0480E87-A353-DADC-D1B1-AACECF0A1620}"/>
-          </ac:picMkLst>
-        </pc:picChg>
-        <pc:picChg chg="del">
-          <ac:chgData name="BOUCADAIR Mohamed INNOV/NET" userId="2acbca90-6db1-4111-98c4-832797dda751" providerId="ADAL" clId="{04B23A7E-399E-471A-AF15-99BD7BD17AB6}" dt="2024-07-09T13:03:30.956" v="6" actId="478"/>
-          <ac:picMkLst>
-            <pc:docMk/>
-            <pc:sldMk cId="4281018982" sldId="260"/>
-            <ac:picMk id="6" creationId="{46DFF84C-CA36-512F-A0E0-AAB4F1117E94}"/>
-          </ac:picMkLst>
-        </pc:picChg>
-      </pc:sldChg>
-      <pc:sldChg chg="del">
-        <pc:chgData name="BOUCADAIR Mohamed INNOV/NET" userId="2acbca90-6db1-4111-98c4-832797dda751" providerId="ADAL" clId="{04B23A7E-399E-471A-AF15-99BD7BD17AB6}" dt="2024-07-09T13:04:09.311" v="16" actId="47"/>
-        <pc:sldMkLst>
-          <pc:docMk/>
-          <pc:sldMk cId="2413574873" sldId="261"/>
-        </pc:sldMkLst>
-      </pc:sldChg>
-      <pc:sldChg chg="addSp delSp modSp mod">
-        <pc:chgData name="BOUCADAIR Mohamed INNOV/NET" userId="2acbca90-6db1-4111-98c4-832797dda751" providerId="ADAL" clId="{04B23A7E-399E-471A-AF15-99BD7BD17AB6}" dt="2024-07-09T13:32:03.800" v="1472" actId="1076"/>
-        <pc:sldMkLst>
-          <pc:docMk/>
-          <pc:sldMk cId="2741112941" sldId="262"/>
-        </pc:sldMkLst>
-        <pc:picChg chg="add mod">
-          <ac:chgData name="BOUCADAIR Mohamed INNOV/NET" userId="2acbca90-6db1-4111-98c4-832797dda751" providerId="ADAL" clId="{04B23A7E-399E-471A-AF15-99BD7BD17AB6}" dt="2024-07-09T13:32:03.800" v="1472" actId="1076"/>
-          <ac:picMkLst>
-            <pc:docMk/>
-            <pc:sldMk cId="2741112941" sldId="262"/>
-            <ac:picMk id="5" creationId="{DA1DF097-E970-39B4-9EFE-9114E5748C9C}"/>
-          </ac:picMkLst>
-        </pc:picChg>
-        <pc:picChg chg="del">
-          <ac:chgData name="BOUCADAIR Mohamed INNOV/NET" userId="2acbca90-6db1-4111-98c4-832797dda751" providerId="ADAL" clId="{04B23A7E-399E-471A-AF15-99BD7BD17AB6}" dt="2024-07-09T13:19:34.346" v="402" actId="478"/>
-          <ac:picMkLst>
-            <pc:docMk/>
-            <pc:sldMk cId="2741112941" sldId="262"/>
-            <ac:picMk id="8" creationId="{0CC9E310-60CA-3247-E541-3DF38738D34C}"/>
-          </ac:picMkLst>
-        </pc:picChg>
-      </pc:sldChg>
-      <pc:sldChg chg="delSp del mod">
-        <pc:chgData name="BOUCADAIR Mohamed INNOV/NET" userId="2acbca90-6db1-4111-98c4-832797dda751" providerId="ADAL" clId="{04B23A7E-399E-471A-AF15-99BD7BD17AB6}" dt="2024-07-09T13:33:56.660" v="1480" actId="47"/>
-        <pc:sldMkLst>
-          <pc:docMk/>
-          <pc:sldMk cId="3612012591" sldId="264"/>
-        </pc:sldMkLst>
-        <pc:picChg chg="del">
-          <ac:chgData name="BOUCADAIR Mohamed INNOV/NET" userId="2acbca90-6db1-4111-98c4-832797dda751" providerId="ADAL" clId="{04B23A7E-399E-471A-AF15-99BD7BD17AB6}" dt="2024-07-09T13:19:45.169" v="403" actId="478"/>
-          <ac:picMkLst>
-            <pc:docMk/>
-            <pc:sldMk cId="3612012591" sldId="264"/>
-            <ac:picMk id="6" creationId="{968031BF-5BFC-7F68-13A8-B60308AD4B75}"/>
-          </ac:picMkLst>
-        </pc:picChg>
-      </pc:sldChg>
-      <pc:sldChg chg="addSp delSp modSp mod">
-        <pc:chgData name="BOUCADAIR Mohamed INNOV/NET" userId="2acbca90-6db1-4111-98c4-832797dda751" providerId="ADAL" clId="{04B23A7E-399E-471A-AF15-99BD7BD17AB6}" dt="2024-07-09T13:33:47.490" v="1479" actId="1076"/>
-        <pc:sldMkLst>
-          <pc:docMk/>
-          <pc:sldMk cId="387226972" sldId="265"/>
-        </pc:sldMkLst>
-        <pc:picChg chg="add mod">
-          <ac:chgData name="BOUCADAIR Mohamed INNOV/NET" userId="2acbca90-6db1-4111-98c4-832797dda751" providerId="ADAL" clId="{04B23A7E-399E-471A-AF15-99BD7BD17AB6}" dt="2024-07-09T13:33:47.490" v="1479" actId="1076"/>
-          <ac:picMkLst>
-            <pc:docMk/>
-            <pc:sldMk cId="387226972" sldId="265"/>
-            <ac:picMk id="5" creationId="{F03B6572-47A5-6283-E80E-CC320D09759E}"/>
-          </ac:picMkLst>
-        </pc:picChg>
-        <pc:picChg chg="del">
-          <ac:chgData name="BOUCADAIR Mohamed INNOV/NET" userId="2acbca90-6db1-4111-98c4-832797dda751" providerId="ADAL" clId="{04B23A7E-399E-471A-AF15-99BD7BD17AB6}" dt="2024-07-09T13:19:49.064" v="404" actId="478"/>
-          <ac:picMkLst>
-            <pc:docMk/>
-            <pc:sldMk cId="387226972" sldId="265"/>
-            <ac:picMk id="6" creationId="{217235ED-FBFC-D21F-D1EF-0C2C7A1F8517}"/>
-          </ac:picMkLst>
-        </pc:picChg>
-      </pc:sldChg>
-      <pc:sldChg chg="addSp delSp modSp mod">
-        <pc:chgData name="BOUCADAIR Mohamed INNOV/NET" userId="2acbca90-6db1-4111-98c4-832797dda751" providerId="ADAL" clId="{04B23A7E-399E-471A-AF15-99BD7BD17AB6}" dt="2024-07-09T13:34:22.581" v="1483" actId="1076"/>
-        <pc:sldMkLst>
-          <pc:docMk/>
-          <pc:sldMk cId="2598639338" sldId="266"/>
-        </pc:sldMkLst>
-        <pc:picChg chg="add mod">
-          <ac:chgData name="BOUCADAIR Mohamed INNOV/NET" userId="2acbca90-6db1-4111-98c4-832797dda751" providerId="ADAL" clId="{04B23A7E-399E-471A-AF15-99BD7BD17AB6}" dt="2024-07-09T13:34:22.581" v="1483" actId="1076"/>
-          <ac:picMkLst>
-            <pc:docMk/>
-            <pc:sldMk cId="2598639338" sldId="266"/>
-            <ac:picMk id="5" creationId="{93F25105-2C69-7289-9EBE-0B84BC223747}"/>
-          </ac:picMkLst>
-        </pc:picChg>
-        <pc:picChg chg="del">
-          <ac:chgData name="BOUCADAIR Mohamed INNOV/NET" userId="2acbca90-6db1-4111-98c4-832797dda751" providerId="ADAL" clId="{04B23A7E-399E-471A-AF15-99BD7BD17AB6}" dt="2024-07-09T13:19:52.809" v="405" actId="478"/>
-          <ac:picMkLst>
-            <pc:docMk/>
-            <pc:sldMk cId="2598639338" sldId="266"/>
-            <ac:picMk id="6" creationId="{38D5BB06-F0F7-DFF9-3F09-A52289D316DC}"/>
-          </ac:picMkLst>
-        </pc:picChg>
-      </pc:sldChg>
-      <pc:sldChg chg="addSp delSp modSp mod">
-        <pc:chgData name="BOUCADAIR Mohamed INNOV/NET" userId="2acbca90-6db1-4111-98c4-832797dda751" providerId="ADAL" clId="{04B23A7E-399E-471A-AF15-99BD7BD17AB6}" dt="2024-07-09T13:34:49.171" v="1487" actId="1076"/>
-        <pc:sldMkLst>
-          <pc:docMk/>
-          <pc:sldMk cId="434990054" sldId="267"/>
-        </pc:sldMkLst>
-        <pc:picChg chg="add mod">
-          <ac:chgData name="BOUCADAIR Mohamed INNOV/NET" userId="2acbca90-6db1-4111-98c4-832797dda751" providerId="ADAL" clId="{04B23A7E-399E-471A-AF15-99BD7BD17AB6}" dt="2024-07-09T13:34:49.171" v="1487" actId="1076"/>
-          <ac:picMkLst>
-            <pc:docMk/>
-            <pc:sldMk cId="434990054" sldId="267"/>
-            <ac:picMk id="5" creationId="{E7D37A68-D0ED-580F-4377-7FC5832DC71D}"/>
-          </ac:picMkLst>
-        </pc:picChg>
-        <pc:picChg chg="del">
-          <ac:chgData name="BOUCADAIR Mohamed INNOV/NET" userId="2acbca90-6db1-4111-98c4-832797dda751" providerId="ADAL" clId="{04B23A7E-399E-471A-AF15-99BD7BD17AB6}" dt="2024-07-09T13:19:55.744" v="406" actId="478"/>
-          <ac:picMkLst>
-            <pc:docMk/>
-            <pc:sldMk cId="434990054" sldId="267"/>
-            <ac:picMk id="6" creationId="{F7D14445-C60B-A091-4538-3978ADB49F41}"/>
-          </ac:picMkLst>
-        </pc:picChg>
-      </pc:sldChg>
-      <pc:sldChg chg="modSp del mod">
-        <pc:chgData name="BOUCADAIR Mohamed INNOV/NET" userId="2acbca90-6db1-4111-98c4-832797dda751" providerId="ADAL" clId="{04B23A7E-399E-471A-AF15-99BD7BD17AB6}" dt="2024-07-09T13:20:07.629" v="422" actId="2696"/>
-        <pc:sldMkLst>
-          <pc:docMk/>
-          <pc:sldMk cId="2744678712" sldId="268"/>
-        </pc:sldMkLst>
-        <pc:spChg chg="mod">
-          <ac:chgData name="BOUCADAIR Mohamed INNOV/NET" userId="2acbca90-6db1-4111-98c4-832797dda751" providerId="ADAL" clId="{04B23A7E-399E-471A-AF15-99BD7BD17AB6}" dt="2024-07-09T13:20:02.599" v="421" actId="20577"/>
-          <ac:spMkLst>
-            <pc:docMk/>
-            <pc:sldMk cId="2744678712" sldId="268"/>
-            <ac:spMk id="2" creationId="{8CA407AD-6D47-FD00-DB11-370AFCFFA6C2}"/>
-          </ac:spMkLst>
-        </pc:spChg>
-      </pc:sldChg>
-      <pc:sldChg chg="addSp delSp modSp add mod">
-        <pc:chgData name="BOUCADAIR Mohamed INNOV/NET" userId="2acbca90-6db1-4111-98c4-832797dda751" providerId="ADAL" clId="{04B23A7E-399E-471A-AF15-99BD7BD17AB6}" dt="2024-07-09T13:30:54.590" v="1428" actId="207"/>
-        <pc:sldMkLst>
-          <pc:docMk/>
-          <pc:sldMk cId="2749868532" sldId="268"/>
-        </pc:sldMkLst>
-        <pc:spChg chg="mod">
-          <ac:chgData name="BOUCADAIR Mohamed INNOV/NET" userId="2acbca90-6db1-4111-98c4-832797dda751" providerId="ADAL" clId="{04B23A7E-399E-471A-AF15-99BD7BD17AB6}" dt="2024-07-09T13:24:31.953" v="631" actId="20577"/>
-          <ac:spMkLst>
-            <pc:docMk/>
-            <pc:sldMk cId="2749868532" sldId="268"/>
-            <ac:spMk id="2" creationId="{8CA407AD-6D47-FD00-DB11-370AFCFFA6C2}"/>
-          </ac:spMkLst>
-        </pc:spChg>
-        <pc:spChg chg="del mod">
-          <ac:chgData name="BOUCADAIR Mohamed INNOV/NET" userId="2acbca90-6db1-4111-98c4-832797dda751" providerId="ADAL" clId="{04B23A7E-399E-471A-AF15-99BD7BD17AB6}" dt="2024-07-09T13:24:16.190" v="609" actId="478"/>
-          <ac:spMkLst>
-            <pc:docMk/>
-            <pc:sldMk cId="2749868532" sldId="268"/>
-            <ac:spMk id="3" creationId="{B67B3B04-DF1C-0310-6F85-2177B65D1455}"/>
-          </ac:spMkLst>
-        </pc:spChg>
-        <pc:spChg chg="add del mod">
-          <ac:chgData name="BOUCADAIR Mohamed INNOV/NET" userId="2acbca90-6db1-4111-98c4-832797dda751" providerId="ADAL" clId="{04B23A7E-399E-471A-AF15-99BD7BD17AB6}" dt="2024-07-09T13:24:18.530" v="610" actId="478"/>
-          <ac:spMkLst>
-            <pc:docMk/>
-            <pc:sldMk cId="2749868532" sldId="268"/>
-            <ac:spMk id="6" creationId="{18A56FC8-F204-9978-27CF-A18FFEBAFEB2}"/>
-          </ac:spMkLst>
-        </pc:spChg>
-        <pc:spChg chg="add mod">
-          <ac:chgData name="BOUCADAIR Mohamed INNOV/NET" userId="2acbca90-6db1-4111-98c4-832797dda751" providerId="ADAL" clId="{04B23A7E-399E-471A-AF15-99BD7BD17AB6}" dt="2024-07-09T13:30:54.590" v="1428" actId="207"/>
-          <ac:spMkLst>
-            <pc:docMk/>
-            <pc:sldMk cId="2749868532" sldId="268"/>
-            <ac:spMk id="9" creationId="{BB4F778F-8939-B422-821F-330027B1D08E}"/>
-          </ac:spMkLst>
-        </pc:spChg>
-        <pc:spChg chg="add mod">
-          <ac:chgData name="BOUCADAIR Mohamed INNOV/NET" userId="2acbca90-6db1-4111-98c4-832797dda751" providerId="ADAL" clId="{04B23A7E-399E-471A-AF15-99BD7BD17AB6}" dt="2024-07-09T13:26:28.919" v="857" actId="207"/>
-          <ac:spMkLst>
-            <pc:docMk/>
-            <pc:sldMk cId="2749868532" sldId="268"/>
-            <ac:spMk id="10" creationId="{6753B80D-E21A-2B6E-F15B-C5F5C28745C1}"/>
-          </ac:spMkLst>
-        </pc:spChg>
-        <pc:spChg chg="add mod">
-          <ac:chgData name="BOUCADAIR Mohamed INNOV/NET" userId="2acbca90-6db1-4111-98c4-832797dda751" providerId="ADAL" clId="{04B23A7E-399E-471A-AF15-99BD7BD17AB6}" dt="2024-07-09T13:26:19.039" v="855" actId="207"/>
-          <ac:spMkLst>
-            <pc:docMk/>
-            <pc:sldMk cId="2749868532" sldId="268"/>
-            <ac:spMk id="11" creationId="{DC4BF35C-BFF9-5971-37E5-50C2228413AC}"/>
-          </ac:spMkLst>
-        </pc:spChg>
-        <pc:spChg chg="add mod">
-          <ac:chgData name="BOUCADAIR Mohamed INNOV/NET" userId="2acbca90-6db1-4111-98c4-832797dda751" providerId="ADAL" clId="{04B23A7E-399E-471A-AF15-99BD7BD17AB6}" dt="2024-07-09T13:26:28.919" v="857" actId="207"/>
-          <ac:spMkLst>
-            <pc:docMk/>
-            <pc:sldMk cId="2749868532" sldId="268"/>
-            <ac:spMk id="12" creationId="{26A20807-2E93-A134-BAA6-3FCD22B75060}"/>
-          </ac:spMkLst>
-        </pc:spChg>
-        <pc:spChg chg="add mod">
-          <ac:chgData name="BOUCADAIR Mohamed INNOV/NET" userId="2acbca90-6db1-4111-98c4-832797dda751" providerId="ADAL" clId="{04B23A7E-399E-471A-AF15-99BD7BD17AB6}" dt="2024-07-09T13:26:19.039" v="855" actId="207"/>
-          <ac:spMkLst>
-            <pc:docMk/>
-            <pc:sldMk cId="2749868532" sldId="268"/>
-            <ac:spMk id="13" creationId="{71AE8C77-12CC-F31F-BC58-52C69B497F3B}"/>
-          </ac:spMkLst>
-        </pc:spChg>
-        <pc:picChg chg="add mod">
-          <ac:chgData name="BOUCADAIR Mohamed INNOV/NET" userId="2acbca90-6db1-4111-98c4-832797dda751" providerId="ADAL" clId="{04B23A7E-399E-471A-AF15-99BD7BD17AB6}" dt="2024-07-09T13:24:38.310" v="633" actId="1076"/>
-          <ac:picMkLst>
-            <pc:docMk/>
-            <pc:sldMk cId="2749868532" sldId="268"/>
-            <ac:picMk id="8" creationId="{B09291F4-29A8-006B-DB58-803654E0FABB}"/>
-          </ac:picMkLst>
-        </pc:picChg>
-      </pc:sldChg>
-      <pc:sldChg chg="addSp delSp modSp new mod">
-        <pc:chgData name="BOUCADAIR Mohamed INNOV/NET" userId="2acbca90-6db1-4111-98c4-832797dda751" providerId="ADAL" clId="{04B23A7E-399E-471A-AF15-99BD7BD17AB6}" dt="2024-07-09T13:26:40.370" v="860" actId="207"/>
-        <pc:sldMkLst>
-          <pc:docMk/>
-          <pc:sldMk cId="2036077658" sldId="269"/>
-        </pc:sldMkLst>
-        <pc:spChg chg="mod">
-          <ac:chgData name="BOUCADAIR Mohamed INNOV/NET" userId="2acbca90-6db1-4111-98c4-832797dda751" providerId="ADAL" clId="{04B23A7E-399E-471A-AF15-99BD7BD17AB6}" dt="2024-07-09T13:04:42.056" v="35" actId="20577"/>
-          <ac:spMkLst>
-            <pc:docMk/>
-            <pc:sldMk cId="2036077658" sldId="269"/>
-            <ac:spMk id="2" creationId="{27E3E189-1149-67C2-5B6B-EAAE3360D398}"/>
-          </ac:spMkLst>
-        </pc:spChg>
-        <pc:spChg chg="del">
-          <ac:chgData name="BOUCADAIR Mohamed INNOV/NET" userId="2acbca90-6db1-4111-98c4-832797dda751" providerId="ADAL" clId="{04B23A7E-399E-471A-AF15-99BD7BD17AB6}" dt="2024-07-09T13:04:54.347" v="55" actId="478"/>
-          <ac:spMkLst>
-            <pc:docMk/>
-            <pc:sldMk cId="2036077658" sldId="269"/>
-            <ac:spMk id="3" creationId="{9B15DA8B-7D10-EC71-A3F7-FD2EBD02AF22}"/>
-          </ac:spMkLst>
-        </pc:spChg>
-        <pc:spChg chg="add del mod">
-          <ac:chgData name="BOUCADAIR Mohamed INNOV/NET" userId="2acbca90-6db1-4111-98c4-832797dda751" providerId="ADAL" clId="{04B23A7E-399E-471A-AF15-99BD7BD17AB6}" dt="2024-07-09T13:07:55.758" v="114" actId="11529"/>
-          <ac:spMkLst>
-            <pc:docMk/>
-            <pc:sldMk cId="2036077658" sldId="269"/>
-            <ac:spMk id="9" creationId="{923B12CD-AC24-F57B-4348-9F8AE95B5EA4}"/>
-          </ac:spMkLst>
-        </pc:spChg>
-        <pc:spChg chg="add del mod">
-          <ac:chgData name="BOUCADAIR Mohamed INNOV/NET" userId="2acbca90-6db1-4111-98c4-832797dda751" providerId="ADAL" clId="{04B23A7E-399E-471A-AF15-99BD7BD17AB6}" dt="2024-07-09T13:11:01.739" v="261" actId="478"/>
-          <ac:spMkLst>
-            <pc:docMk/>
-            <pc:sldMk cId="2036077658" sldId="269"/>
-            <ac:spMk id="10" creationId="{3E357CB8-4590-FB3E-650F-3302DEFA0494}"/>
-          </ac:spMkLst>
-        </pc:spChg>
-        <pc:spChg chg="add del mod">
-          <ac:chgData name="BOUCADAIR Mohamed INNOV/NET" userId="2acbca90-6db1-4111-98c4-832797dda751" providerId="ADAL" clId="{04B23A7E-399E-471A-AF15-99BD7BD17AB6}" dt="2024-07-09T13:10:59.729" v="260" actId="478"/>
-          <ac:spMkLst>
-            <pc:docMk/>
-            <pc:sldMk cId="2036077658" sldId="269"/>
-            <ac:spMk id="11" creationId="{D5968345-D258-80BA-E8A5-578F648587D7}"/>
-          </ac:spMkLst>
-        </pc:spChg>
-        <pc:spChg chg="add mod">
-          <ac:chgData name="BOUCADAIR Mohamed INNOV/NET" userId="2acbca90-6db1-4111-98c4-832797dda751" providerId="ADAL" clId="{04B23A7E-399E-471A-AF15-99BD7BD17AB6}" dt="2024-07-09T13:26:40.370" v="860" actId="207"/>
-          <ac:spMkLst>
-            <pc:docMk/>
-            <pc:sldMk cId="2036077658" sldId="269"/>
-            <ac:spMk id="12" creationId="{7149D40D-4212-0A4B-3E03-BFC00136F58E}"/>
-          </ac:spMkLst>
-        </pc:spChg>
-        <pc:spChg chg="add mod">
-          <ac:chgData name="BOUCADAIR Mohamed INNOV/NET" userId="2acbca90-6db1-4111-98c4-832797dda751" providerId="ADAL" clId="{04B23A7E-399E-471A-AF15-99BD7BD17AB6}" dt="2024-07-09T13:18:47.419" v="392" actId="14100"/>
-          <ac:spMkLst>
-            <pc:docMk/>
-            <pc:sldMk cId="2036077658" sldId="269"/>
-            <ac:spMk id="13" creationId="{2DD6D868-10B4-CC3E-4827-0FDCBD37AF7B}"/>
-          </ac:spMkLst>
-        </pc:spChg>
-        <pc:picChg chg="add del mod">
-          <ac:chgData name="BOUCADAIR Mohamed INNOV/NET" userId="2acbca90-6db1-4111-98c4-832797dda751" providerId="ADAL" clId="{04B23A7E-399E-471A-AF15-99BD7BD17AB6}" dt="2024-07-09T13:07:12.343" v="105" actId="478"/>
-          <ac:picMkLst>
-            <pc:docMk/>
-            <pc:sldMk cId="2036077658" sldId="269"/>
-            <ac:picMk id="6" creationId="{FCA086F3-84C9-6FBC-7FD0-4FCAF94528C1}"/>
-          </ac:picMkLst>
-        </pc:picChg>
-        <pc:picChg chg="add mod">
-          <ac:chgData name="BOUCADAIR Mohamed INNOV/NET" userId="2acbca90-6db1-4111-98c4-832797dda751" providerId="ADAL" clId="{04B23A7E-399E-471A-AF15-99BD7BD17AB6}" dt="2024-07-09T13:07:21.587" v="110" actId="1076"/>
-          <ac:picMkLst>
-            <pc:docMk/>
-            <pc:sldMk cId="2036077658" sldId="269"/>
-            <ac:picMk id="8" creationId="{38D51956-00D8-04E4-45F8-6C5F18AA5497}"/>
-          </ac:picMkLst>
-        </pc:picChg>
-      </pc:sldChg>
-      <pc:sldChg chg="addSp delSp modSp new mod">
-        <pc:chgData name="BOUCADAIR Mohamed INNOV/NET" userId="2acbca90-6db1-4111-98c4-832797dda751" providerId="ADAL" clId="{04B23A7E-399E-471A-AF15-99BD7BD17AB6}" dt="2024-07-09T13:17:19.849" v="337" actId="14100"/>
-        <pc:sldMkLst>
-          <pc:docMk/>
-          <pc:sldMk cId="3664032414" sldId="270"/>
-        </pc:sldMkLst>
-        <pc:spChg chg="mod">
-          <ac:chgData name="BOUCADAIR Mohamed INNOV/NET" userId="2acbca90-6db1-4111-98c4-832797dda751" providerId="ADAL" clId="{04B23A7E-399E-471A-AF15-99BD7BD17AB6}" dt="2024-07-09T13:04:51.226" v="54" actId="20577"/>
-          <ac:spMkLst>
-            <pc:docMk/>
-            <pc:sldMk cId="3664032414" sldId="270"/>
-            <ac:spMk id="2" creationId="{811F3C97-3A33-D850-D416-0B091EB7FBF3}"/>
-          </ac:spMkLst>
-        </pc:spChg>
-        <pc:spChg chg="del mod">
-          <ac:chgData name="BOUCADAIR Mohamed INNOV/NET" userId="2acbca90-6db1-4111-98c4-832797dda751" providerId="ADAL" clId="{04B23A7E-399E-471A-AF15-99BD7BD17AB6}" dt="2024-07-09T13:16:34.551" v="333" actId="478"/>
-          <ac:spMkLst>
-            <pc:docMk/>
-            <pc:sldMk cId="3664032414" sldId="270"/>
-            <ac:spMk id="3" creationId="{260FEF35-0833-94A5-A29F-253067932B30}"/>
-          </ac:spMkLst>
-        </pc:spChg>
-        <pc:spChg chg="add del mod">
-          <ac:chgData name="BOUCADAIR Mohamed INNOV/NET" userId="2acbca90-6db1-4111-98c4-832797dda751" providerId="ADAL" clId="{04B23A7E-399E-471A-AF15-99BD7BD17AB6}" dt="2024-07-09T13:16:36.639" v="334" actId="478"/>
-          <ac:spMkLst>
-            <pc:docMk/>
-            <pc:sldMk cId="3664032414" sldId="270"/>
-            <ac:spMk id="6" creationId="{3A8397A2-8B42-F11B-C733-F4E7651F81FD}"/>
-          </ac:spMkLst>
-        </pc:spChg>
-        <pc:picChg chg="add mod">
-          <ac:chgData name="BOUCADAIR Mohamed INNOV/NET" userId="2acbca90-6db1-4111-98c4-832797dda751" providerId="ADAL" clId="{04B23A7E-399E-471A-AF15-99BD7BD17AB6}" dt="2024-07-09T13:17:19.849" v="337" actId="14100"/>
-          <ac:picMkLst>
-            <pc:docMk/>
-            <pc:sldMk cId="3664032414" sldId="270"/>
-            <ac:picMk id="8" creationId="{551F903C-01AE-4B3F-2FEE-23A34BB49072}"/>
-          </ac:picMkLst>
-        </pc:picChg>
-      </pc:sldChg>
-      <pc:sldChg chg="addSp delSp modSp new mod">
-        <pc:chgData name="BOUCADAIR Mohamed INNOV/NET" userId="2acbca90-6db1-4111-98c4-832797dda751" providerId="ADAL" clId="{04B23A7E-399E-471A-AF15-99BD7BD17AB6}" dt="2024-07-09T13:06:01.096" v="98" actId="20577"/>
-        <pc:sldMkLst>
-          <pc:docMk/>
-          <pc:sldMk cId="513082138" sldId="271"/>
-        </pc:sldMkLst>
-        <pc:spChg chg="mod">
-          <ac:chgData name="BOUCADAIR Mohamed INNOV/NET" userId="2acbca90-6db1-4111-98c4-832797dda751" providerId="ADAL" clId="{04B23A7E-399E-471A-AF15-99BD7BD17AB6}" dt="2024-07-09T13:06:01.096" v="98" actId="20577"/>
-          <ac:spMkLst>
-            <pc:docMk/>
-            <pc:sldMk cId="513082138" sldId="271"/>
-            <ac:spMk id="2" creationId="{749610CD-6079-B85C-6D60-DC878DD62E6C}"/>
-          </ac:spMkLst>
-        </pc:spChg>
-        <pc:spChg chg="del">
-          <ac:chgData name="BOUCADAIR Mohamed INNOV/NET" userId="2acbca90-6db1-4111-98c4-832797dda751" providerId="ADAL" clId="{04B23A7E-399E-471A-AF15-99BD7BD17AB6}" dt="2024-07-09T13:05:45.707" v="87" actId="478"/>
-          <ac:spMkLst>
-            <pc:docMk/>
-            <pc:sldMk cId="513082138" sldId="271"/>
-            <ac:spMk id="3" creationId="{2F37224F-E96D-7CE0-BF6B-85FB384EE25C}"/>
-          </ac:spMkLst>
-        </pc:spChg>
-        <pc:picChg chg="add mod">
-          <ac:chgData name="BOUCADAIR Mohamed INNOV/NET" userId="2acbca90-6db1-4111-98c4-832797dda751" providerId="ADAL" clId="{04B23A7E-399E-471A-AF15-99BD7BD17AB6}" dt="2024-07-09T13:05:55.966" v="92" actId="14100"/>
-          <ac:picMkLst>
-            <pc:docMk/>
-            <pc:sldMk cId="513082138" sldId="271"/>
-            <ac:picMk id="6" creationId="{12D77918-8ECB-6E5D-0965-E81951B65AA8}"/>
-          </ac:picMkLst>
-        </pc:picChg>
-      </pc:sldChg>
-      <pc:sldChg chg="modSp new mod">
-        <pc:chgData name="BOUCADAIR Mohamed INNOV/NET" userId="2acbca90-6db1-4111-98c4-832797dda751" providerId="ADAL" clId="{04B23A7E-399E-471A-AF15-99BD7BD17AB6}" dt="2024-07-09T13:35:59.742" v="1549" actId="20577"/>
-        <pc:sldMkLst>
-          <pc:docMk/>
-          <pc:sldMk cId="242484776" sldId="272"/>
-        </pc:sldMkLst>
-        <pc:spChg chg="mod">
-          <ac:chgData name="BOUCADAIR Mohamed INNOV/NET" userId="2acbca90-6db1-4111-98c4-832797dda751" providerId="ADAL" clId="{04B23A7E-399E-471A-AF15-99BD7BD17AB6}" dt="2024-07-09T13:35:59.742" v="1549" actId="20577"/>
-          <ac:spMkLst>
-            <pc:docMk/>
-            <pc:sldMk cId="242484776" sldId="272"/>
-            <ac:spMk id="2" creationId="{0FF26BAB-CB98-9BE6-91AF-3E30D9FD5799}"/>
-          </ac:spMkLst>
-        </pc:spChg>
-      </pc:sldChg>
-      <pc:sldChg chg="modSp new mod">
-        <pc:chgData name="BOUCADAIR Mohamed INNOV/NET" userId="2acbca90-6db1-4111-98c4-832797dda751" providerId="ADAL" clId="{04B23A7E-399E-471A-AF15-99BD7BD17AB6}" dt="2024-07-09T13:31:24.430" v="1467" actId="20577"/>
-        <pc:sldMkLst>
-          <pc:docMk/>
-          <pc:sldMk cId="1331798219" sldId="273"/>
-        </pc:sldMkLst>
-        <pc:spChg chg="mod">
-          <ac:chgData name="BOUCADAIR Mohamed INNOV/NET" userId="2acbca90-6db1-4111-98c4-832797dda751" providerId="ADAL" clId="{04B23A7E-399E-471A-AF15-99BD7BD17AB6}" dt="2024-07-09T13:20:17.739" v="429" actId="20577"/>
-          <ac:spMkLst>
-            <pc:docMk/>
-            <pc:sldMk cId="1331798219" sldId="273"/>
-            <ac:spMk id="2" creationId="{5B1C3519-5735-807D-95E4-47250F1A0CD3}"/>
-          </ac:spMkLst>
-        </pc:spChg>
-        <pc:spChg chg="mod">
-          <ac:chgData name="BOUCADAIR Mohamed INNOV/NET" userId="2acbca90-6db1-4111-98c4-832797dda751" providerId="ADAL" clId="{04B23A7E-399E-471A-AF15-99BD7BD17AB6}" dt="2024-07-09T13:31:24.430" v="1467" actId="20577"/>
-          <ac:spMkLst>
-            <pc:docMk/>
-            <pc:sldMk cId="1331798219" sldId="273"/>
-            <ac:spMk id="3" creationId="{6442B71D-4950-F917-F8CB-D32A0312F531}"/>
-          </ac:spMkLst>
-        </pc:spChg>
-      </pc:sldChg>
-      <pc:sldChg chg="modSp new del mod">
-        <pc:chgData name="BOUCADAIR Mohamed INNOV/NET" userId="2acbca90-6db1-4111-98c4-832797dda751" providerId="ADAL" clId="{04B23A7E-399E-471A-AF15-99BD7BD17AB6}" dt="2024-07-09T13:36:34.322" v="1550" actId="2696"/>
-        <pc:sldMkLst>
-          <pc:docMk/>
-          <pc:sldMk cId="75013859" sldId="274"/>
-        </pc:sldMkLst>
-        <pc:spChg chg="mod">
-          <ac:chgData name="BOUCADAIR Mohamed INNOV/NET" userId="2acbca90-6db1-4111-98c4-832797dda751" providerId="ADAL" clId="{04B23A7E-399E-471A-AF15-99BD7BD17AB6}" dt="2024-07-09T13:22:44.759" v="535" actId="20577"/>
-          <ac:spMkLst>
-            <pc:docMk/>
-            <pc:sldMk cId="75013859" sldId="274"/>
-            <ac:spMk id="2" creationId="{A22EF54F-13E9-E460-0BB9-6F4F2630048A}"/>
-          </ac:spMkLst>
-        </pc:spChg>
-        <pc:spChg chg="mod">
-          <ac:chgData name="BOUCADAIR Mohamed INNOV/NET" userId="2acbca90-6db1-4111-98c4-832797dda751" providerId="ADAL" clId="{04B23A7E-399E-471A-AF15-99BD7BD17AB6}" dt="2024-07-09T13:21:10.819" v="519" actId="20577"/>
-          <ac:spMkLst>
-            <pc:docMk/>
-            <pc:sldMk cId="75013859" sldId="274"/>
-            <ac:spMk id="3" creationId="{5B886AE0-85A8-44AC-0841-3BB59666FA7E}"/>
-          </ac:spMkLst>
-        </pc:spChg>
-      </pc:sldChg>
-      <pc:sldChg chg="addSp modSp add mod">
-        <pc:chgData name="BOUCADAIR Mohamed INNOV/NET" userId="2acbca90-6db1-4111-98c4-832797dda751" providerId="ADAL" clId="{04B23A7E-399E-471A-AF15-99BD7BD17AB6}" dt="2024-07-09T13:46:20.950" v="2122" actId="1076"/>
-        <pc:sldMkLst>
-          <pc:docMk/>
-          <pc:sldMk cId="514278596" sldId="274"/>
-        </pc:sldMkLst>
-        <pc:spChg chg="mod">
-          <ac:chgData name="BOUCADAIR Mohamed INNOV/NET" userId="2acbca90-6db1-4111-98c4-832797dda751" providerId="ADAL" clId="{04B23A7E-399E-471A-AF15-99BD7BD17AB6}" dt="2024-07-09T13:42:48.704" v="1577" actId="20577"/>
-          <ac:spMkLst>
-            <pc:docMk/>
-            <pc:sldMk cId="514278596" sldId="274"/>
-            <ac:spMk id="2" creationId="{A22EF54F-13E9-E460-0BB9-6F4F2630048A}"/>
-          </ac:spMkLst>
-        </pc:spChg>
-        <pc:spChg chg="mod">
-          <ac:chgData name="BOUCADAIR Mohamed INNOV/NET" userId="2acbca90-6db1-4111-98c4-832797dda751" providerId="ADAL" clId="{04B23A7E-399E-471A-AF15-99BD7BD17AB6}" dt="2024-07-09T13:41:24.804" v="1565"/>
-          <ac:spMkLst>
-            <pc:docMk/>
-            <pc:sldMk cId="514278596" sldId="274"/>
-            <ac:spMk id="3" creationId="{5B886AE0-85A8-44AC-0841-3BB59666FA7E}"/>
-          </ac:spMkLst>
-        </pc:spChg>
-        <pc:spChg chg="add mod">
-          <ac:chgData name="BOUCADAIR Mohamed INNOV/NET" userId="2acbca90-6db1-4111-98c4-832797dda751" providerId="ADAL" clId="{04B23A7E-399E-471A-AF15-99BD7BD17AB6}" dt="2024-07-09T13:46:20.950" v="2122" actId="1076"/>
-          <ac:spMkLst>
-            <pc:docMk/>
-            <pc:sldMk cId="514278596" sldId="274"/>
-            <ac:spMk id="5" creationId="{3856129A-94B9-0425-E3E2-66E6DE494147}"/>
-          </ac:spMkLst>
-        </pc:spChg>
-      </pc:sldChg>
-      <pc:sldChg chg="addSp delSp modSp new mod">
-        <pc:chgData name="BOUCADAIR Mohamed INNOV/NET" userId="2acbca90-6db1-4111-98c4-832797dda751" providerId="ADAL" clId="{04B23A7E-399E-471A-AF15-99BD7BD17AB6}" dt="2024-07-09T13:35:28.391" v="1498" actId="1076"/>
-        <pc:sldMkLst>
-          <pc:docMk/>
-          <pc:sldMk cId="2021719538" sldId="275"/>
-        </pc:sldMkLst>
-        <pc:spChg chg="mod">
-          <ac:chgData name="BOUCADAIR Mohamed INNOV/NET" userId="2acbca90-6db1-4111-98c4-832797dda751" providerId="ADAL" clId="{04B23A7E-399E-471A-AF15-99BD7BD17AB6}" dt="2024-07-09T13:34:52.971" v="1492" actId="20577"/>
-          <ac:spMkLst>
-            <pc:docMk/>
-            <pc:sldMk cId="2021719538" sldId="275"/>
-            <ac:spMk id="2" creationId="{561B1B5D-9BD7-4401-7A63-1162CF303D8C}"/>
-          </ac:spMkLst>
-        </pc:spChg>
-        <pc:spChg chg="del">
-          <ac:chgData name="BOUCADAIR Mohamed INNOV/NET" userId="2acbca90-6db1-4111-98c4-832797dda751" providerId="ADAL" clId="{04B23A7E-399E-471A-AF15-99BD7BD17AB6}" dt="2024-07-09T13:34:55.721" v="1493" actId="478"/>
-          <ac:spMkLst>
-            <pc:docMk/>
-            <pc:sldMk cId="2021719538" sldId="275"/>
-            <ac:spMk id="3" creationId="{3AF7EC01-5C04-2C3A-3B1C-56D905DC3FB4}"/>
-          </ac:spMkLst>
-        </pc:spChg>
-        <pc:picChg chg="add mod">
-          <ac:chgData name="BOUCADAIR Mohamed INNOV/NET" userId="2acbca90-6db1-4111-98c4-832797dda751" providerId="ADAL" clId="{04B23A7E-399E-471A-AF15-99BD7BD17AB6}" dt="2024-07-09T13:35:28.391" v="1498" actId="1076"/>
-          <ac:picMkLst>
-            <pc:docMk/>
-            <pc:sldMk cId="2021719538" sldId="275"/>
-            <ac:picMk id="6" creationId="{0ACB6023-1A33-14F5-F6A1-8C80B9E7A443}"/>
-          </ac:picMkLst>
-        </pc:picChg>
-      </pc:sldChg>
-    </pc:docChg>
-  </pc:docChgLst>
-  <pc:docChgLst>
-    <pc:chgData name="BOUCADAIR Mohamed INNOV/NET" userId="2acbca90-6db1-4111-98c4-832797dda751" providerId="ADAL" clId="{91DE2053-694C-444E-9F1C-8B0299126E9C}"/>
-    <pc:docChg chg="modSld">
-      <pc:chgData name="BOUCADAIR Mohamed INNOV/NET" userId="2acbca90-6db1-4111-98c4-832797dda751" providerId="ADAL" clId="{91DE2053-694C-444E-9F1C-8B0299126E9C}" dt="2024-07-09T13:47:56.045" v="3" actId="114"/>
-      <pc:docMkLst>
-        <pc:docMk/>
-      </pc:docMkLst>
-      <pc:sldChg chg="modSp mod">
-        <pc:chgData name="BOUCADAIR Mohamed INNOV/NET" userId="2acbca90-6db1-4111-98c4-832797dda751" providerId="ADAL" clId="{91DE2053-694C-444E-9F1C-8B0299126E9C}" dt="2024-07-09T13:47:39.975" v="0" actId="6549"/>
-        <pc:sldMkLst>
-          <pc:docMk/>
-          <pc:sldMk cId="2749868532" sldId="268"/>
-        </pc:sldMkLst>
-        <pc:spChg chg="mod">
-          <ac:chgData name="BOUCADAIR Mohamed INNOV/NET" userId="2acbca90-6db1-4111-98c4-832797dda751" providerId="ADAL" clId="{91DE2053-694C-444E-9F1C-8B0299126E9C}" dt="2024-07-09T13:47:39.975" v="0" actId="6549"/>
-          <ac:spMkLst>
-            <pc:docMk/>
-            <pc:sldMk cId="2749868532" sldId="268"/>
-            <ac:spMk id="9" creationId="{BB4F778F-8939-B422-821F-330027B1D08E}"/>
-          </ac:spMkLst>
-        </pc:spChg>
-      </pc:sldChg>
-      <pc:sldChg chg="modSp mod">
-        <pc:chgData name="BOUCADAIR Mohamed INNOV/NET" userId="2acbca90-6db1-4111-98c4-832797dda751" providerId="ADAL" clId="{91DE2053-694C-444E-9F1C-8B0299126E9C}" dt="2024-07-09T13:47:56.045" v="3" actId="114"/>
-        <pc:sldMkLst>
-          <pc:docMk/>
-          <pc:sldMk cId="1331798219" sldId="273"/>
-        </pc:sldMkLst>
-        <pc:spChg chg="mod">
-          <ac:chgData name="BOUCADAIR Mohamed INNOV/NET" userId="2acbca90-6db1-4111-98c4-832797dda751" providerId="ADAL" clId="{91DE2053-694C-444E-9F1C-8B0299126E9C}" dt="2024-07-09T13:47:56.045" v="3" actId="114"/>
-          <ac:spMkLst>
-            <pc:docMk/>
-            <pc:sldMk cId="1331798219" sldId="273"/>
-            <ac:spMk id="3" creationId="{6442B71D-4950-F917-F8CB-D32A0312F531}"/>
-          </ac:spMkLst>
-        </pc:spChg>
-      </pc:sldChg>
-      <pc:sldChg chg="modSp mod">
-        <pc:chgData name="BOUCADAIR Mohamed INNOV/NET" userId="2acbca90-6db1-4111-98c4-832797dda751" providerId="ADAL" clId="{91DE2053-694C-444E-9F1C-8B0299126E9C}" dt="2024-07-09T13:47:44.805" v="2" actId="20577"/>
-        <pc:sldMkLst>
-          <pc:docMk/>
-          <pc:sldMk cId="514278596" sldId="274"/>
-        </pc:sldMkLst>
-        <pc:spChg chg="mod">
-          <ac:chgData name="BOUCADAIR Mohamed INNOV/NET" userId="2acbca90-6db1-4111-98c4-832797dda751" providerId="ADAL" clId="{91DE2053-694C-444E-9F1C-8B0299126E9C}" dt="2024-07-09T13:47:44.805" v="2" actId="20577"/>
-          <ac:spMkLst>
-            <pc:docMk/>
-            <pc:sldMk cId="514278596" sldId="274"/>
-            <ac:spMk id="5" creationId="{3856129A-94B9-0425-E3E2-66E6DE494147}"/>
-          </ac:spMkLst>
-        </pc:spChg>
       </pc:sldChg>
     </pc:docChg>
   </pc:docChgLst>
@@ -3217,7 +1858,7 @@
             </a:pPr>
             <a:fld id="{00000000-1234-1234-1234-123412341234}" type="slidenum">
               <a:rPr lang="en-US"/>
-              <a:t>‹#›</a:t>
+              <a:t>‹N°›</a:t>
             </a:fld>
             <a:endParaRPr/>
           </a:p>
@@ -3874,7 +2515,7 @@
             </a:pPr>
             <a:fld id="{00000000-1234-1234-1234-123412341234}" type="slidenum">
               <a:rPr lang="en-US"/>
-              <a:t>‹#›</a:t>
+              <a:t>‹N°›</a:t>
             </a:fld>
             <a:endParaRPr/>
           </a:p>
@@ -5110,7 +3751,7 @@
             </a:pPr>
             <a:fld id="{00000000-1234-1234-1234-123412341234}" type="slidenum">
               <a:rPr lang="en-US"/>
-              <a:t>‹#›</a:t>
+              <a:t>‹N°›</a:t>
             </a:fld>
             <a:endParaRPr/>
           </a:p>
@@ -6105,7 +4746,7 @@
             </a:pPr>
             <a:fld id="{00000000-1234-1234-1234-123412341234}" type="slidenum">
               <a:rPr lang="en-US"/>
-              <a:t>‹#›</a:t>
+              <a:t>‹N°›</a:t>
             </a:fld>
             <a:endParaRPr/>
           </a:p>
@@ -6679,7 +5320,7 @@
             </a:pPr>
             <a:fld id="{00000000-1234-1234-1234-123412341234}" type="slidenum">
               <a:rPr lang="en-US"/>
-              <a:t>‹#›</a:t>
+              <a:t>‹N°›</a:t>
             </a:fld>
             <a:endParaRPr/>
           </a:p>
@@ -7915,7 +6556,7 @@
             </a:pPr>
             <a:fld id="{00000000-1234-1234-1234-123412341234}" type="slidenum">
               <a:rPr lang="en-US"/>
-              <a:t>‹#›</a:t>
+              <a:t>‹N°›</a:t>
             </a:fld>
             <a:endParaRPr/>
           </a:p>
@@ -8407,7 +7048,7 @@
             </a:pPr>
             <a:fld id="{00000000-1234-1234-1234-123412341234}" type="slidenum">
               <a:rPr lang="en-US"/>
-              <a:t>‹#›</a:t>
+              <a:t>‹N°›</a:t>
             </a:fld>
             <a:endParaRPr/>
           </a:p>
@@ -9259,7 +7900,7 @@
             </a:pPr>
             <a:fld id="{00000000-1234-1234-1234-123412341234}" type="slidenum">
               <a:rPr lang="en-US"/>
-              <a:t>‹#›</a:t>
+              <a:t>‹N°›</a:t>
             </a:fld>
             <a:endParaRPr/>
           </a:p>
@@ -10235,7 +8876,7 @@
             </a:pPr>
             <a:fld id="{00000000-1234-1234-1234-123412341234}" type="slidenum">
               <a:rPr lang="en-US"/>
-              <a:t>‹#›</a:t>
+              <a:t>‹N°›</a:t>
             </a:fld>
             <a:endParaRPr/>
           </a:p>
@@ -10529,7 +9170,7 @@
             </a:pPr>
             <a:fld id="{00000000-1234-1234-1234-123412341234}" type="slidenum">
               <a:rPr lang="en-US"/>
-              <a:t>‹#›</a:t>
+              <a:t>‹N°›</a:t>
             </a:fld>
             <a:endParaRPr/>
           </a:p>
@@ -11737,7 +10378,7 @@
             </a:pPr>
             <a:fld id="{00000000-1234-1234-1234-123412341234}" type="slidenum">
               <a:rPr lang="en-US"/>
-              <a:t>‹#›</a:t>
+              <a:t>‹N°›</a:t>
             </a:fld>
             <a:endParaRPr/>
           </a:p>
@@ -12643,7 +11284,7 @@
             </a:pPr>
             <a:fld id="{00000000-1234-1234-1234-123412341234}" type="slidenum">
               <a:rPr lang="en-US"/>
-              <a:t>‹#›</a:t>
+              <a:t>‹N°›</a:t>
             </a:fld>
             <a:endParaRPr/>
           </a:p>
@@ -13368,7 +12009,7 @@
             </a:pPr>
             <a:fld id="{00000000-1234-1234-1234-123412341234}" type="slidenum">
               <a:rPr lang="en-US"/>
-              <a:t>‹#›</a:t>
+              <a:t>‹N°›</a:t>
             </a:fld>
             <a:endParaRPr/>
           </a:p>
@@ -14237,7 +12878,7 @@
             </a:pPr>
             <a:fld id="{00000000-1234-1234-1234-123412341234}" type="slidenum">
               <a:rPr lang="en-US"/>
-              <a:t>‹#›</a:t>
+              <a:t>‹N°›</a:t>
             </a:fld>
             <a:endParaRPr/>
           </a:p>
@@ -15354,7 +13995,7 @@
             </a:pPr>
             <a:fld id="{00000000-1234-1234-1234-123412341234}" type="slidenum">
               <a:rPr lang="en-US"/>
-              <a:t>‹#›</a:t>
+              <a:t>‹N°›</a:t>
             </a:fld>
             <a:endParaRPr/>
           </a:p>
@@ -15695,7 +14336,7 @@
             </a:pPr>
             <a:fld id="{00000000-1234-1234-1234-123412341234}" type="slidenum">
               <a:rPr lang="en-US"/>
-              <a:t>‹#›</a:t>
+              <a:t>‹N°›</a:t>
             </a:fld>
             <a:endParaRPr/>
           </a:p>
@@ -17777,7 +16418,7 @@
             </a:pPr>
             <a:fld id="{00000000-1234-1234-1234-123412341234}" type="slidenum">
               <a:rPr lang="en-US"/>
-              <a:t>‹#›</a:t>
+              <a:t>‹N°›</a:t>
             </a:fld>
             <a:endParaRPr/>
           </a:p>
@@ -20445,7 +19086,7 @@
         <p:fade/>
       </p:transition>
     </mc:Choice>
-    <mc:Fallback xmlns:ahyp="http://schemas.microsoft.com/office/drawing/2018/hyperlinkcolor" xmlns:p15="http://schemas.microsoft.com/office/powerpoint/2012/main" xmlns:com="http://schemas.openxmlformats.org/drawingml/2006/compatibility" xmlns:pvml="urn:schemas-microsoft-com:office:powerpoint" xmlns:v="urn:schemas-microsoft-com:vml" xmlns:o="urn:schemas-microsoft-com:office:office" xmlns:dgm="http://schemas.openxmlformats.org/drawingml/2006/diagram" xmlns:c="http://schemas.openxmlformats.org/drawingml/2006/chart" xmlns:mv="urn:schemas-microsoft-com:mac:vml" xmlns="">
+    <mc:Fallback xmlns="" xmlns:mv="urn:schemas-microsoft-com:mac:vml" xmlns:c="http://schemas.openxmlformats.org/drawingml/2006/chart" xmlns:dgm="http://schemas.openxmlformats.org/drawingml/2006/diagram" xmlns:o="urn:schemas-microsoft-com:office:office" xmlns:v="urn:schemas-microsoft-com:vml" xmlns:pvml="urn:schemas-microsoft-com:office:powerpoint" xmlns:com="http://schemas.openxmlformats.org/drawingml/2006/compatibility" xmlns:p15="http://schemas.microsoft.com/office/powerpoint/2012/main" xmlns:ahyp="http://schemas.microsoft.com/office/drawing/2018/hyperlinkcolor">
       <p:transition spd="slow">
         <p:fade/>
       </p:transition>
@@ -20780,7 +19421,7 @@
         <p:fade/>
       </p:transition>
     </mc:Choice>
-    <mc:Fallback xmlns:ahyp="http://schemas.microsoft.com/office/drawing/2018/hyperlinkcolor" xmlns:p15="http://schemas.microsoft.com/office/powerpoint/2012/main" xmlns:com="http://schemas.openxmlformats.org/drawingml/2006/compatibility" xmlns:pvml="urn:schemas-microsoft-com:office:powerpoint" xmlns:v="urn:schemas-microsoft-com:vml" xmlns:o="urn:schemas-microsoft-com:office:office" xmlns:dgm="http://schemas.openxmlformats.org/drawingml/2006/diagram" xmlns:c="http://schemas.openxmlformats.org/drawingml/2006/chart" xmlns:mv="urn:schemas-microsoft-com:mac:vml" xmlns="">
+    <mc:Fallback xmlns="" xmlns:mv="urn:schemas-microsoft-com:mac:vml" xmlns:c="http://schemas.openxmlformats.org/drawingml/2006/chart" xmlns:dgm="http://schemas.openxmlformats.org/drawingml/2006/diagram" xmlns:o="urn:schemas-microsoft-com:office:office" xmlns:v="urn:schemas-microsoft-com:vml" xmlns:pvml="urn:schemas-microsoft-com:office:powerpoint" xmlns:com="http://schemas.openxmlformats.org/drawingml/2006/compatibility" xmlns:p15="http://schemas.microsoft.com/office/powerpoint/2012/main" xmlns:ahyp="http://schemas.microsoft.com/office/drawing/2018/hyperlinkcolor">
       <p:transition spd="slow">
         <p:fade/>
       </p:transition>
@@ -21405,10 +20046,10 @@
       </p:sp>
       <p:pic>
         <p:nvPicPr>
-          <p:cNvPr id="6" name="Image 5">
+          <p:cNvPr id="5" name="Image 4">
             <a:extLst>
               <a:ext uri="{FF2B5EF4-FFF2-40B4-BE49-F238E27FC236}">
-                <a16:creationId xmlns:a16="http://schemas.microsoft.com/office/drawing/2014/main" id="{C4B19C84-767B-37EC-CDFC-282E3C20BB73}"/>
+                <a16:creationId xmlns:a16="http://schemas.microsoft.com/office/drawing/2014/main" id="{34DA1824-9E9C-1C22-50FF-AF0F0ED64A02}"/>
               </a:ext>
             </a:extLst>
           </p:cNvPr>
@@ -21425,8 +20066,8 @@
         </p:blipFill>
         <p:spPr>
           <a:xfrm>
-            <a:off x="909168" y="1890677"/>
-            <a:ext cx="7325664" cy="2834121"/>
+            <a:off x="568162" y="1769994"/>
+            <a:ext cx="8029575" cy="3290055"/>
           </a:xfrm>
           <a:prstGeom prst="rect">
             <a:avLst/>
@@ -21463,6 +20104,36 @@
           <a:chExt cx="0" cy="0"/>
         </a:xfrm>
       </p:grpSpPr>
+      <p:pic>
+        <p:nvPicPr>
+          <p:cNvPr id="5" name="Image 4">
+            <a:extLst>
+              <a:ext uri="{FF2B5EF4-FFF2-40B4-BE49-F238E27FC236}">
+                <a16:creationId xmlns:a16="http://schemas.microsoft.com/office/drawing/2014/main" id="{18DB53E0-AA50-4FEC-C7B4-0F666B9D26D2}"/>
+              </a:ext>
+            </a:extLst>
+          </p:cNvPr>
+          <p:cNvPicPr>
+            <a:picLocks noChangeAspect="1"/>
+          </p:cNvPicPr>
+          <p:nvPr/>
+        </p:nvPicPr>
+        <p:blipFill>
+          <a:blip r:embed="rId2"/>
+          <a:stretch>
+            <a:fillRect/>
+          </a:stretch>
+        </p:blipFill>
+        <p:spPr>
+          <a:xfrm>
+            <a:off x="235483" y="2083176"/>
+            <a:ext cx="8673034" cy="2508494"/>
+          </a:xfrm>
+          <a:prstGeom prst="rect">
+            <a:avLst/>
+          </a:prstGeom>
+        </p:spPr>
+      </p:pic>
       <p:sp>
         <p:nvSpPr>
           <p:cNvPr id="2" name="Titre 1">
@@ -21534,36 +20205,6 @@
           </a:p>
         </p:txBody>
       </p:sp>
-      <p:pic>
-        <p:nvPicPr>
-          <p:cNvPr id="6" name="Image 5">
-            <a:extLst>
-              <a:ext uri="{FF2B5EF4-FFF2-40B4-BE49-F238E27FC236}">
-                <a16:creationId xmlns:a16="http://schemas.microsoft.com/office/drawing/2014/main" id="{C2ABB0FD-76BC-3E1C-F109-857EDF300782}"/>
-              </a:ext>
-            </a:extLst>
-          </p:cNvPr>
-          <p:cNvPicPr>
-            <a:picLocks noChangeAspect="1"/>
-          </p:cNvPicPr>
-          <p:nvPr/>
-        </p:nvPicPr>
-        <p:blipFill>
-          <a:blip r:embed="rId2"/>
-          <a:stretch>
-            <a:fillRect/>
-          </a:stretch>
-        </p:blipFill>
-        <p:spPr>
-          <a:xfrm>
-            <a:off x="183912" y="2187956"/>
-            <a:ext cx="8604632" cy="2536842"/>
-          </a:xfrm>
-          <a:prstGeom prst="rect">
-            <a:avLst/>
-          </a:prstGeom>
-        </p:spPr>
-      </p:pic>
       <p:sp>
         <p:nvSpPr>
           <p:cNvPr id="8" name="Bulle narrative : ronde 7">
@@ -21578,13 +20219,13 @@
         </p:nvSpPr>
         <p:spPr>
           <a:xfrm>
-            <a:off x="3148119" y="4028697"/>
+            <a:off x="3148119" y="4004154"/>
             <a:ext cx="1122830" cy="921123"/>
           </a:xfrm>
           <a:prstGeom prst="wedgeEllipseCallout">
             <a:avLst>
-              <a:gd name="adj1" fmla="val -78673"/>
-              <a:gd name="adj2" fmla="val -148046"/>
+              <a:gd name="adj1" fmla="val -113029"/>
+              <a:gd name="adj2" fmla="val -91431"/>
             </a:avLst>
           </a:prstGeom>
           <a:solidFill>
@@ -21635,13 +20276,13 @@
         </p:nvSpPr>
         <p:spPr>
           <a:xfrm>
-            <a:off x="3148119" y="4059565"/>
+            <a:off x="3140975" y="3995269"/>
             <a:ext cx="1255930" cy="921123"/>
           </a:xfrm>
           <a:prstGeom prst="wedgeEllipseCallout">
             <a:avLst>
-              <a:gd name="adj1" fmla="val -80958"/>
-              <a:gd name="adj2" fmla="val -199842"/>
+              <a:gd name="adj1" fmla="val -96884"/>
+              <a:gd name="adj2" fmla="val -153309"/>
             </a:avLst>
           </a:prstGeom>
           <a:solidFill>
@@ -22386,7 +21027,7 @@
             </a:solidFill>
             <a:extLst>
               <a:ext uri="{C807C97D-BFC1-408E-A445-0C87EB9F89A2}">
-                <ask:lineSketchStyleProps xmlns:ask="http://schemas.microsoft.com/office/drawing/2018/sketchyshapes" xmlns="" sd="3608884092">
+                <ask:lineSketchStyleProps xmlns:ask="http://schemas.microsoft.com/office/drawing/2018/sketchyshapes" sd="3608884092">
                   <a:prstGeom prst="rect">
                     <a:avLst/>
                   </a:prstGeom>
